--- a/lecture-materials/DeveloperTools/pinpoint/aws_pinpoint.pptx
+++ b/lecture-materials/DeveloperTools/pinpoint/aws_pinpoint.pptx
@@ -110,6 +110,11 @@
       </a:defRPr>
     </a:lvl9pPr>
   </p:defaultTextStyle>
+  <p:extLst>
+    <p:ext uri="{EFAFB233-063F-42B5-8137-9DF3F51BA10A}">
+      <p15:sldGuideLst xmlns:p15="http://schemas.microsoft.com/office/powerpoint/2012/main"/>
+    </p:ext>
+  </p:extLst>
 </p:presentation>
 </file>
 
@@ -195,7 +200,7 @@
           <a:p>
             <a:fld id="{8A32F797-C04B-4F26-9F03-0E35A05B29E5}" type="datetimeFigureOut">
               <a:rPr lang="en-US" smtClean="0"/>
-              <a:t>9/10/2023</a:t>
+              <a:t>4/15/24</a:t>
             </a:fld>
             <a:endParaRPr lang="en-US"/>
           </a:p>
@@ -259,35 +264,35 @@
           <a:p>
             <a:pPr lvl="0"/>
             <a:r>
-              <a:rPr lang="ru-RU" smtClean="0"/>
+              <a:rPr lang="ru-RU"/>
               <a:t>Образец текста</a:t>
             </a:r>
           </a:p>
           <a:p>
             <a:pPr lvl="1"/>
             <a:r>
-              <a:rPr lang="ru-RU" smtClean="0"/>
+              <a:rPr lang="ru-RU"/>
               <a:t>Второй уровень</a:t>
             </a:r>
           </a:p>
           <a:p>
             <a:pPr lvl="2"/>
             <a:r>
-              <a:rPr lang="ru-RU" smtClean="0"/>
+              <a:rPr lang="ru-RU"/>
               <a:t>Третий уровень</a:t>
             </a:r>
           </a:p>
           <a:p>
             <a:pPr lvl="3"/>
             <a:r>
-              <a:rPr lang="ru-RU" smtClean="0"/>
+              <a:rPr lang="ru-RU"/>
               <a:t>Четвертый уровень</a:t>
             </a:r>
           </a:p>
           <a:p>
             <a:pPr lvl="4"/>
             <a:r>
-              <a:rPr lang="ru-RU" smtClean="0"/>
+              <a:rPr lang="ru-RU"/>
               <a:t>Пятый уровень</a:t>
             </a:r>
             <a:endParaRPr lang="en-US"/>
@@ -841,7 +846,7 @@
           </a:lstStyle>
           <a:p>
             <a:r>
-              <a:rPr lang="ru-RU" smtClean="0"/>
+              <a:rPr lang="ru-RU"/>
               <a:t>Образец заголовка</a:t>
             </a:r>
             <a:endParaRPr lang="en-US"/>
@@ -906,7 +911,7 @@
           </a:lstStyle>
           <a:p>
             <a:r>
-              <a:rPr lang="ru-RU" smtClean="0"/>
+              <a:rPr lang="ru-RU"/>
               <a:t>Образец подзаголовка</a:t>
             </a:r>
             <a:endParaRPr lang="en-US"/>
@@ -930,7 +935,7 @@
           <a:p>
             <a:fld id="{9F8A39B3-0D80-48CA-B982-EA3FCF83CAB2}" type="datetimeFigureOut">
               <a:rPr lang="en-US" smtClean="0"/>
-              <a:t>9/10/2023</a:t>
+              <a:t>4/15/24</a:t>
             </a:fld>
             <a:endParaRPr lang="en-US"/>
           </a:p>
@@ -1024,7 +1029,7 @@
           <a:lstStyle/>
           <a:p>
             <a:r>
-              <a:rPr lang="ru-RU" smtClean="0"/>
+              <a:rPr lang="ru-RU"/>
               <a:t>Образец заголовка</a:t>
             </a:r>
             <a:endParaRPr lang="en-US"/>
@@ -1048,35 +1053,35 @@
           <a:p>
             <a:pPr lvl="0"/>
             <a:r>
-              <a:rPr lang="ru-RU" smtClean="0"/>
+              <a:rPr lang="ru-RU"/>
               <a:t>Образец текста</a:t>
             </a:r>
           </a:p>
           <a:p>
             <a:pPr lvl="1"/>
             <a:r>
-              <a:rPr lang="ru-RU" smtClean="0"/>
+              <a:rPr lang="ru-RU"/>
               <a:t>Второй уровень</a:t>
             </a:r>
           </a:p>
           <a:p>
             <a:pPr lvl="2"/>
             <a:r>
-              <a:rPr lang="ru-RU" smtClean="0"/>
+              <a:rPr lang="ru-RU"/>
               <a:t>Третий уровень</a:t>
             </a:r>
           </a:p>
           <a:p>
             <a:pPr lvl="3"/>
             <a:r>
-              <a:rPr lang="ru-RU" smtClean="0"/>
+              <a:rPr lang="ru-RU"/>
               <a:t>Четвертый уровень</a:t>
             </a:r>
           </a:p>
           <a:p>
             <a:pPr lvl="4"/>
             <a:r>
-              <a:rPr lang="ru-RU" smtClean="0"/>
+              <a:rPr lang="ru-RU"/>
               <a:t>Пятый уровень</a:t>
             </a:r>
             <a:endParaRPr lang="en-US"/>
@@ -1100,7 +1105,7 @@
           <a:p>
             <a:fld id="{9F8A39B3-0D80-48CA-B982-EA3FCF83CAB2}" type="datetimeFigureOut">
               <a:rPr lang="en-US" smtClean="0"/>
-              <a:t>9/10/2023</a:t>
+              <a:t>4/15/24</a:t>
             </a:fld>
             <a:endParaRPr lang="en-US"/>
           </a:p>
@@ -1199,7 +1204,7 @@
           <a:lstStyle/>
           <a:p>
             <a:r>
-              <a:rPr lang="ru-RU" smtClean="0"/>
+              <a:rPr lang="ru-RU"/>
               <a:t>Образец заголовка</a:t>
             </a:r>
             <a:endParaRPr lang="en-US"/>
@@ -1228,35 +1233,35 @@
           <a:p>
             <a:pPr lvl="0"/>
             <a:r>
-              <a:rPr lang="ru-RU" smtClean="0"/>
+              <a:rPr lang="ru-RU"/>
               <a:t>Образец текста</a:t>
             </a:r>
           </a:p>
           <a:p>
             <a:pPr lvl="1"/>
             <a:r>
-              <a:rPr lang="ru-RU" smtClean="0"/>
+              <a:rPr lang="ru-RU"/>
               <a:t>Второй уровень</a:t>
             </a:r>
           </a:p>
           <a:p>
             <a:pPr lvl="2"/>
             <a:r>
-              <a:rPr lang="ru-RU" smtClean="0"/>
+              <a:rPr lang="ru-RU"/>
               <a:t>Третий уровень</a:t>
             </a:r>
           </a:p>
           <a:p>
             <a:pPr lvl="3"/>
             <a:r>
-              <a:rPr lang="ru-RU" smtClean="0"/>
+              <a:rPr lang="ru-RU"/>
               <a:t>Четвертый уровень</a:t>
             </a:r>
           </a:p>
           <a:p>
             <a:pPr lvl="4"/>
             <a:r>
-              <a:rPr lang="ru-RU" smtClean="0"/>
+              <a:rPr lang="ru-RU"/>
               <a:t>Пятый уровень</a:t>
             </a:r>
             <a:endParaRPr lang="en-US"/>
@@ -1280,7 +1285,7 @@
           <a:p>
             <a:fld id="{9F8A39B3-0D80-48CA-B982-EA3FCF83CAB2}" type="datetimeFigureOut">
               <a:rPr lang="en-US" smtClean="0"/>
-              <a:t>9/10/2023</a:t>
+              <a:t>4/15/24</a:t>
             </a:fld>
             <a:endParaRPr lang="en-US"/>
           </a:p>
@@ -1374,7 +1379,7 @@
           <a:lstStyle/>
           <a:p>
             <a:r>
-              <a:rPr lang="ru-RU" smtClean="0"/>
+              <a:rPr lang="ru-RU"/>
               <a:t>Образец заголовка</a:t>
             </a:r>
             <a:endParaRPr lang="en-US"/>
@@ -1398,35 +1403,35 @@
           <a:p>
             <a:pPr lvl="0"/>
             <a:r>
-              <a:rPr lang="ru-RU" smtClean="0"/>
+              <a:rPr lang="ru-RU"/>
               <a:t>Образец текста</a:t>
             </a:r>
           </a:p>
           <a:p>
             <a:pPr lvl="1"/>
             <a:r>
-              <a:rPr lang="ru-RU" smtClean="0"/>
+              <a:rPr lang="ru-RU"/>
               <a:t>Второй уровень</a:t>
             </a:r>
           </a:p>
           <a:p>
             <a:pPr lvl="2"/>
             <a:r>
-              <a:rPr lang="ru-RU" smtClean="0"/>
+              <a:rPr lang="ru-RU"/>
               <a:t>Третий уровень</a:t>
             </a:r>
           </a:p>
           <a:p>
             <a:pPr lvl="3"/>
             <a:r>
-              <a:rPr lang="ru-RU" smtClean="0"/>
+              <a:rPr lang="ru-RU"/>
               <a:t>Четвертый уровень</a:t>
             </a:r>
           </a:p>
           <a:p>
             <a:pPr lvl="4"/>
             <a:r>
-              <a:rPr lang="ru-RU" smtClean="0"/>
+              <a:rPr lang="ru-RU"/>
               <a:t>Пятый уровень</a:t>
             </a:r>
             <a:endParaRPr lang="en-US"/>
@@ -1450,7 +1455,7 @@
           <a:p>
             <a:fld id="{9F8A39B3-0D80-48CA-B982-EA3FCF83CAB2}" type="datetimeFigureOut">
               <a:rPr lang="en-US" smtClean="0"/>
-              <a:t>9/10/2023</a:t>
+              <a:t>4/15/24</a:t>
             </a:fld>
             <a:endParaRPr lang="en-US"/>
           </a:p>
@@ -1553,7 +1558,7 @@
           </a:lstStyle>
           <a:p>
             <a:r>
-              <a:rPr lang="ru-RU" smtClean="0"/>
+              <a:rPr lang="ru-RU"/>
               <a:t>Образец заголовка</a:t>
             </a:r>
             <a:endParaRPr lang="en-US"/>
@@ -1673,7 +1678,7 @@
           <a:p>
             <a:pPr lvl="0"/>
             <a:r>
-              <a:rPr lang="ru-RU" smtClean="0"/>
+              <a:rPr lang="ru-RU"/>
               <a:t>Образец текста</a:t>
             </a:r>
           </a:p>
@@ -1696,7 +1701,7 @@
           <a:p>
             <a:fld id="{9F8A39B3-0D80-48CA-B982-EA3FCF83CAB2}" type="datetimeFigureOut">
               <a:rPr lang="en-US" smtClean="0"/>
-              <a:t>9/10/2023</a:t>
+              <a:t>4/15/24</a:t>
             </a:fld>
             <a:endParaRPr lang="en-US"/>
           </a:p>
@@ -1790,7 +1795,7 @@
           <a:lstStyle/>
           <a:p>
             <a:r>
-              <a:rPr lang="ru-RU" smtClean="0"/>
+              <a:rPr lang="ru-RU"/>
               <a:t>Образец заголовка</a:t>
             </a:r>
             <a:endParaRPr lang="en-US"/>
@@ -1819,35 +1824,35 @@
           <a:p>
             <a:pPr lvl="0"/>
             <a:r>
-              <a:rPr lang="ru-RU" smtClean="0"/>
+              <a:rPr lang="ru-RU"/>
               <a:t>Образец текста</a:t>
             </a:r>
           </a:p>
           <a:p>
             <a:pPr lvl="1"/>
             <a:r>
-              <a:rPr lang="ru-RU" smtClean="0"/>
+              <a:rPr lang="ru-RU"/>
               <a:t>Второй уровень</a:t>
             </a:r>
           </a:p>
           <a:p>
             <a:pPr lvl="2"/>
             <a:r>
-              <a:rPr lang="ru-RU" smtClean="0"/>
+              <a:rPr lang="ru-RU"/>
               <a:t>Третий уровень</a:t>
             </a:r>
           </a:p>
           <a:p>
             <a:pPr lvl="3"/>
             <a:r>
-              <a:rPr lang="ru-RU" smtClean="0"/>
+              <a:rPr lang="ru-RU"/>
               <a:t>Четвертый уровень</a:t>
             </a:r>
           </a:p>
           <a:p>
             <a:pPr lvl="4"/>
             <a:r>
-              <a:rPr lang="ru-RU" smtClean="0"/>
+              <a:rPr lang="ru-RU"/>
               <a:t>Пятый уровень</a:t>
             </a:r>
             <a:endParaRPr lang="en-US"/>
@@ -1876,35 +1881,35 @@
           <a:p>
             <a:pPr lvl="0"/>
             <a:r>
-              <a:rPr lang="ru-RU" smtClean="0"/>
+              <a:rPr lang="ru-RU"/>
               <a:t>Образец текста</a:t>
             </a:r>
           </a:p>
           <a:p>
             <a:pPr lvl="1"/>
             <a:r>
-              <a:rPr lang="ru-RU" smtClean="0"/>
+              <a:rPr lang="ru-RU"/>
               <a:t>Второй уровень</a:t>
             </a:r>
           </a:p>
           <a:p>
             <a:pPr lvl="2"/>
             <a:r>
-              <a:rPr lang="ru-RU" smtClean="0"/>
+              <a:rPr lang="ru-RU"/>
               <a:t>Третий уровень</a:t>
             </a:r>
           </a:p>
           <a:p>
             <a:pPr lvl="3"/>
             <a:r>
-              <a:rPr lang="ru-RU" smtClean="0"/>
+              <a:rPr lang="ru-RU"/>
               <a:t>Четвертый уровень</a:t>
             </a:r>
           </a:p>
           <a:p>
             <a:pPr lvl="4"/>
             <a:r>
-              <a:rPr lang="ru-RU" smtClean="0"/>
+              <a:rPr lang="ru-RU"/>
               <a:t>Пятый уровень</a:t>
             </a:r>
             <a:endParaRPr lang="en-US"/>
@@ -1928,7 +1933,7 @@
           <a:p>
             <a:fld id="{9F8A39B3-0D80-48CA-B982-EA3FCF83CAB2}" type="datetimeFigureOut">
               <a:rPr lang="en-US" smtClean="0"/>
-              <a:t>9/10/2023</a:t>
+              <a:t>4/15/24</a:t>
             </a:fld>
             <a:endParaRPr lang="en-US"/>
           </a:p>
@@ -2027,7 +2032,7 @@
           <a:lstStyle/>
           <a:p>
             <a:r>
-              <a:rPr lang="ru-RU" smtClean="0"/>
+              <a:rPr lang="ru-RU"/>
               <a:t>Образец заголовка</a:t>
             </a:r>
             <a:endParaRPr lang="en-US"/>
@@ -2093,7 +2098,7 @@
           <a:p>
             <a:pPr lvl="0"/>
             <a:r>
-              <a:rPr lang="ru-RU" smtClean="0"/>
+              <a:rPr lang="ru-RU"/>
               <a:t>Образец текста</a:t>
             </a:r>
           </a:p>
@@ -2121,35 +2126,35 @@
           <a:p>
             <a:pPr lvl="0"/>
             <a:r>
-              <a:rPr lang="ru-RU" smtClean="0"/>
+              <a:rPr lang="ru-RU"/>
               <a:t>Образец текста</a:t>
             </a:r>
           </a:p>
           <a:p>
             <a:pPr lvl="1"/>
             <a:r>
-              <a:rPr lang="ru-RU" smtClean="0"/>
+              <a:rPr lang="ru-RU"/>
               <a:t>Второй уровень</a:t>
             </a:r>
           </a:p>
           <a:p>
             <a:pPr lvl="2"/>
             <a:r>
-              <a:rPr lang="ru-RU" smtClean="0"/>
+              <a:rPr lang="ru-RU"/>
               <a:t>Третий уровень</a:t>
             </a:r>
           </a:p>
           <a:p>
             <a:pPr lvl="3"/>
             <a:r>
-              <a:rPr lang="ru-RU" smtClean="0"/>
+              <a:rPr lang="ru-RU"/>
               <a:t>Четвертый уровень</a:t>
             </a:r>
           </a:p>
           <a:p>
             <a:pPr lvl="4"/>
             <a:r>
-              <a:rPr lang="ru-RU" smtClean="0"/>
+              <a:rPr lang="ru-RU"/>
               <a:t>Пятый уровень</a:t>
             </a:r>
             <a:endParaRPr lang="en-US"/>
@@ -2215,7 +2220,7 @@
           <a:p>
             <a:pPr lvl="0"/>
             <a:r>
-              <a:rPr lang="ru-RU" smtClean="0"/>
+              <a:rPr lang="ru-RU"/>
               <a:t>Образец текста</a:t>
             </a:r>
           </a:p>
@@ -2243,35 +2248,35 @@
           <a:p>
             <a:pPr lvl="0"/>
             <a:r>
-              <a:rPr lang="ru-RU" smtClean="0"/>
+              <a:rPr lang="ru-RU"/>
               <a:t>Образец текста</a:t>
             </a:r>
           </a:p>
           <a:p>
             <a:pPr lvl="1"/>
             <a:r>
-              <a:rPr lang="ru-RU" smtClean="0"/>
+              <a:rPr lang="ru-RU"/>
               <a:t>Второй уровень</a:t>
             </a:r>
           </a:p>
           <a:p>
             <a:pPr lvl="2"/>
             <a:r>
-              <a:rPr lang="ru-RU" smtClean="0"/>
+              <a:rPr lang="ru-RU"/>
               <a:t>Третий уровень</a:t>
             </a:r>
           </a:p>
           <a:p>
             <a:pPr lvl="3"/>
             <a:r>
-              <a:rPr lang="ru-RU" smtClean="0"/>
+              <a:rPr lang="ru-RU"/>
               <a:t>Четвертый уровень</a:t>
             </a:r>
           </a:p>
           <a:p>
             <a:pPr lvl="4"/>
             <a:r>
-              <a:rPr lang="ru-RU" smtClean="0"/>
+              <a:rPr lang="ru-RU"/>
               <a:t>Пятый уровень</a:t>
             </a:r>
             <a:endParaRPr lang="en-US"/>
@@ -2295,7 +2300,7 @@
           <a:p>
             <a:fld id="{9F8A39B3-0D80-48CA-B982-EA3FCF83CAB2}" type="datetimeFigureOut">
               <a:rPr lang="en-US" smtClean="0"/>
-              <a:t>9/10/2023</a:t>
+              <a:t>4/15/24</a:t>
             </a:fld>
             <a:endParaRPr lang="en-US"/>
           </a:p>
@@ -2389,7 +2394,7 @@
           <a:lstStyle/>
           <a:p>
             <a:r>
-              <a:rPr lang="ru-RU" smtClean="0"/>
+              <a:rPr lang="ru-RU"/>
               <a:t>Образец заголовка</a:t>
             </a:r>
             <a:endParaRPr lang="en-US"/>
@@ -2413,7 +2418,7 @@
           <a:p>
             <a:fld id="{9F8A39B3-0D80-48CA-B982-EA3FCF83CAB2}" type="datetimeFigureOut">
               <a:rPr lang="en-US" smtClean="0"/>
-              <a:t>9/10/2023</a:t>
+              <a:t>4/15/24</a:t>
             </a:fld>
             <a:endParaRPr lang="en-US"/>
           </a:p>
@@ -2508,7 +2513,7 @@
           <a:p>
             <a:fld id="{9F8A39B3-0D80-48CA-B982-EA3FCF83CAB2}" type="datetimeFigureOut">
               <a:rPr lang="en-US" smtClean="0"/>
-              <a:t>9/10/2023</a:t>
+              <a:t>4/15/24</a:t>
             </a:fld>
             <a:endParaRPr lang="en-US"/>
           </a:p>
@@ -2611,7 +2616,7 @@
           </a:lstStyle>
           <a:p>
             <a:r>
-              <a:rPr lang="ru-RU" smtClean="0"/>
+              <a:rPr lang="ru-RU"/>
               <a:t>Образец заголовка</a:t>
             </a:r>
             <a:endParaRPr lang="en-US"/>
@@ -2668,35 +2673,35 @@
           <a:p>
             <a:pPr lvl="0"/>
             <a:r>
-              <a:rPr lang="ru-RU" smtClean="0"/>
+              <a:rPr lang="ru-RU"/>
               <a:t>Образец текста</a:t>
             </a:r>
           </a:p>
           <a:p>
             <a:pPr lvl="1"/>
             <a:r>
-              <a:rPr lang="ru-RU" smtClean="0"/>
+              <a:rPr lang="ru-RU"/>
               <a:t>Второй уровень</a:t>
             </a:r>
           </a:p>
           <a:p>
             <a:pPr lvl="2"/>
             <a:r>
-              <a:rPr lang="ru-RU" smtClean="0"/>
+              <a:rPr lang="ru-RU"/>
               <a:t>Третий уровень</a:t>
             </a:r>
           </a:p>
           <a:p>
             <a:pPr lvl="3"/>
             <a:r>
-              <a:rPr lang="ru-RU" smtClean="0"/>
+              <a:rPr lang="ru-RU"/>
               <a:t>Четвертый уровень</a:t>
             </a:r>
           </a:p>
           <a:p>
             <a:pPr lvl="4"/>
             <a:r>
-              <a:rPr lang="ru-RU" smtClean="0"/>
+              <a:rPr lang="ru-RU"/>
               <a:t>Пятый уровень</a:t>
             </a:r>
             <a:endParaRPr lang="en-US"/>
@@ -2762,7 +2767,7 @@
           <a:p>
             <a:pPr lvl="0"/>
             <a:r>
-              <a:rPr lang="ru-RU" smtClean="0"/>
+              <a:rPr lang="ru-RU"/>
               <a:t>Образец текста</a:t>
             </a:r>
           </a:p>
@@ -2785,7 +2790,7 @@
           <a:p>
             <a:fld id="{9F8A39B3-0D80-48CA-B982-EA3FCF83CAB2}" type="datetimeFigureOut">
               <a:rPr lang="en-US" smtClean="0"/>
-              <a:t>9/10/2023</a:t>
+              <a:t>4/15/24</a:t>
             </a:fld>
             <a:endParaRPr lang="en-US"/>
           </a:p>
@@ -2888,7 +2893,7 @@
           </a:lstStyle>
           <a:p>
             <a:r>
-              <a:rPr lang="ru-RU" smtClean="0"/>
+              <a:rPr lang="ru-RU"/>
               <a:t>Образец заголовка</a:t>
             </a:r>
             <a:endParaRPr lang="en-US"/>
@@ -3015,7 +3020,7 @@
           <a:p>
             <a:pPr lvl="0"/>
             <a:r>
-              <a:rPr lang="ru-RU" smtClean="0"/>
+              <a:rPr lang="ru-RU"/>
               <a:t>Образец текста</a:t>
             </a:r>
           </a:p>
@@ -3038,7 +3043,7 @@
           <a:p>
             <a:fld id="{9F8A39B3-0D80-48CA-B982-EA3FCF83CAB2}" type="datetimeFigureOut">
               <a:rPr lang="en-US" smtClean="0"/>
-              <a:t>9/10/2023</a:t>
+              <a:t>4/15/24</a:t>
             </a:fld>
             <a:endParaRPr lang="en-US"/>
           </a:p>
@@ -3147,7 +3152,7 @@
           <a:lstStyle/>
           <a:p>
             <a:r>
-              <a:rPr lang="ru-RU" smtClean="0"/>
+              <a:rPr lang="ru-RU"/>
               <a:t>Образец заголовка</a:t>
             </a:r>
             <a:endParaRPr lang="en-US"/>
@@ -3181,35 +3186,35 @@
           <a:p>
             <a:pPr lvl="0"/>
             <a:r>
-              <a:rPr lang="ru-RU" smtClean="0"/>
+              <a:rPr lang="ru-RU"/>
               <a:t>Образец текста</a:t>
             </a:r>
           </a:p>
           <a:p>
             <a:pPr lvl="1"/>
             <a:r>
-              <a:rPr lang="ru-RU" smtClean="0"/>
+              <a:rPr lang="ru-RU"/>
               <a:t>Второй уровень</a:t>
             </a:r>
           </a:p>
           <a:p>
             <a:pPr lvl="2"/>
             <a:r>
-              <a:rPr lang="ru-RU" smtClean="0"/>
+              <a:rPr lang="ru-RU"/>
               <a:t>Третий уровень</a:t>
             </a:r>
           </a:p>
           <a:p>
             <a:pPr lvl="3"/>
             <a:r>
-              <a:rPr lang="ru-RU" smtClean="0"/>
+              <a:rPr lang="ru-RU"/>
               <a:t>Четвертый уровень</a:t>
             </a:r>
           </a:p>
           <a:p>
             <a:pPr lvl="4"/>
             <a:r>
-              <a:rPr lang="ru-RU" smtClean="0"/>
+              <a:rPr lang="ru-RU"/>
               <a:t>Пятый уровень</a:t>
             </a:r>
             <a:endParaRPr lang="en-US"/>
@@ -3251,7 +3256,7 @@
           <a:p>
             <a:fld id="{9F8A39B3-0D80-48CA-B982-EA3FCF83CAB2}" type="datetimeFigureOut">
               <a:rPr lang="en-US" smtClean="0"/>
-              <a:t>9/10/2023</a:t>
+              <a:t>4/15/24</a:t>
             </a:fld>
             <a:endParaRPr lang="en-US"/>
           </a:p>
@@ -3642,6 +3647,14 @@
 <file path=ppt/slides/slide1.xml><?xml version="1.0" encoding="utf-8"?>
 <p:sld xmlns:a="http://schemas.openxmlformats.org/drawingml/2006/main" xmlns:r="http://schemas.openxmlformats.org/officeDocument/2006/relationships" xmlns:p="http://schemas.openxmlformats.org/presentationml/2006/main">
   <p:cSld>
+    <p:bg>
+      <p:bgPr>
+        <a:solidFill>
+          <a:schemeClr val="bg1"/>
+        </a:solidFill>
+        <a:effectLst/>
+      </p:bgPr>
+    </p:bg>
     <p:spTree>
       <p:nvGrpSpPr>
         <p:cNvPr id="1" name=""/>
@@ -3656,6 +3669,66 @@
           <a:chExt cx="0" cy="0"/>
         </a:xfrm>
       </p:grpSpPr>
+      <p:sp useBgFill="1">
+        <p:nvSpPr>
+          <p:cNvPr id="10" name="Rectangle 9">
+            <a:extLst>
+              <a:ext uri="{FF2B5EF4-FFF2-40B4-BE49-F238E27FC236}">
+                <a16:creationId xmlns:a16="http://schemas.microsoft.com/office/drawing/2014/main" id="{35DB3719-6FDC-4E5D-891D-FF40B7300F64}"/>
+              </a:ext>
+              <a:ext uri="{C183D7F6-B498-43B3-948B-1728B52AA6E4}">
+                <adec:decorative xmlns:adec="http://schemas.microsoft.com/office/drawing/2017/decorative" val="1"/>
+              </a:ext>
+            </a:extLst>
+          </p:cNvPr>
+          <p:cNvSpPr>
+            <a:spLocks noGrp="1" noRot="1" noChangeAspect="1" noMove="1" noResize="1" noEditPoints="1" noAdjustHandles="1" noChangeArrowheads="1" noChangeShapeType="1" noTextEdit="1"/>
+          </p:cNvSpPr>
+          <p:nvPr>
+            <p:extLst>
+              <p:ext uri="{386F3935-93C4-4BCD-93E2-E3B085C9AB24}">
+                <p16:designElem xmlns:p16="http://schemas.microsoft.com/office/powerpoint/2015/main" val="1"/>
+              </p:ext>
+            </p:extLst>
+          </p:nvPr>
+        </p:nvSpPr>
+        <p:spPr>
+          <a:xfrm>
+            <a:off x="0" y="0"/>
+            <a:ext cx="12188952" cy="6858000"/>
+          </a:xfrm>
+          <a:prstGeom prst="rect">
+            <a:avLst/>
+          </a:prstGeom>
+          <a:ln>
+            <a:noFill/>
+          </a:ln>
+        </p:spPr>
+        <p:style>
+          <a:lnRef idx="2">
+            <a:schemeClr val="accent1">
+              <a:shade val="50000"/>
+            </a:schemeClr>
+          </a:lnRef>
+          <a:fillRef idx="1">
+            <a:schemeClr val="accent1"/>
+          </a:fillRef>
+          <a:effectRef idx="0">
+            <a:schemeClr val="accent1"/>
+          </a:effectRef>
+          <a:fontRef idx="minor">
+            <a:schemeClr val="lt1"/>
+          </a:fontRef>
+        </p:style>
+        <p:txBody>
+          <a:bodyPr rtlCol="0" anchor="ctr"/>
+          <a:lstStyle/>
+          <a:p>
+            <a:pPr algn="ctr"/>
+            <a:endParaRPr lang="en-US"/>
+          </a:p>
+        </p:txBody>
+      </p:sp>
       <p:sp>
         <p:nvSpPr>
           <p:cNvPr id="2" name="Заголовок 1"/>
@@ -3666,52 +3739,712 @@
             <p:ph type="title"/>
           </p:nvPr>
         </p:nvSpPr>
-        <p:spPr/>
+        <p:spPr>
+          <a:xfrm>
+            <a:off x="838200" y="365125"/>
+            <a:ext cx="10515600" cy="1325563"/>
+          </a:xfrm>
+        </p:spPr>
+        <p:txBody>
+          <a:bodyPr vert="horz" lIns="91440" tIns="45720" rIns="91440" bIns="45720" rtlCol="0" anchor="ctr">
+            <a:normAutofit/>
+          </a:bodyPr>
+          <a:lstStyle/>
+          <a:p>
+            <a:r>
+              <a:rPr lang="en-US" sz="5400" kern="1200">
+                <a:solidFill>
+                  <a:schemeClr val="tx1"/>
+                </a:solidFill>
+                <a:latin typeface="+mj-lt"/>
+                <a:ea typeface="+mj-ea"/>
+                <a:cs typeface="+mj-cs"/>
+              </a:rPr>
+              <a:t>What is Amazon Pinpoint?</a:t>
+            </a:r>
+          </a:p>
+        </p:txBody>
+      </p:sp>
+      <p:sp>
+        <p:nvSpPr>
+          <p:cNvPr id="12" name="sketch line">
+            <a:extLst>
+              <a:ext uri="{FF2B5EF4-FFF2-40B4-BE49-F238E27FC236}">
+                <a16:creationId xmlns:a16="http://schemas.microsoft.com/office/drawing/2014/main" id="{E0CBAC23-2E3F-4A90-BA59-F8299F6A5439}"/>
+              </a:ext>
+              <a:ext uri="{C183D7F6-B498-43B3-948B-1728B52AA6E4}">
+                <adec:decorative xmlns:adec="http://schemas.microsoft.com/office/drawing/2017/decorative" val="1"/>
+              </a:ext>
+            </a:extLst>
+          </p:cNvPr>
+          <p:cNvSpPr>
+            <a:spLocks noGrp="1" noRot="1" noChangeAspect="1" noMove="1" noResize="1" noEditPoints="1" noAdjustHandles="1" noChangeArrowheads="1" noChangeShapeType="1" noTextEdit="1"/>
+          </p:cNvSpPr>
+          <p:nvPr>
+            <p:extLst>
+              <p:ext uri="{386F3935-93C4-4BCD-93E2-E3B085C9AB24}">
+                <p16:designElem xmlns:p16="http://schemas.microsoft.com/office/powerpoint/2015/main" val="1"/>
+              </p:ext>
+            </p:extLst>
+          </p:nvPr>
+        </p:nvSpPr>
+        <p:spPr>
+          <a:xfrm>
+            <a:off x="838200" y="1865313"/>
+            <a:ext cx="10424160" cy="18288"/>
+          </a:xfrm>
+          <a:custGeom>
+            <a:avLst/>
+            <a:gdLst>
+              <a:gd name="connsiteX0" fmla="*/ 0 w 10424160"/>
+              <a:gd name="connsiteY0" fmla="*/ 0 h 18288"/>
+              <a:gd name="connsiteX1" fmla="*/ 903427 w 10424160"/>
+              <a:gd name="connsiteY1" fmla="*/ 0 h 18288"/>
+              <a:gd name="connsiteX2" fmla="*/ 1389888 w 10424160"/>
+              <a:gd name="connsiteY2" fmla="*/ 0 h 18288"/>
+              <a:gd name="connsiteX3" fmla="*/ 2189074 w 10424160"/>
+              <a:gd name="connsiteY3" fmla="*/ 0 h 18288"/>
+              <a:gd name="connsiteX4" fmla="*/ 2675534 w 10424160"/>
+              <a:gd name="connsiteY4" fmla="*/ 0 h 18288"/>
+              <a:gd name="connsiteX5" fmla="*/ 3370478 w 10424160"/>
+              <a:gd name="connsiteY5" fmla="*/ 0 h 18288"/>
+              <a:gd name="connsiteX6" fmla="*/ 4169664 w 10424160"/>
+              <a:gd name="connsiteY6" fmla="*/ 0 h 18288"/>
+              <a:gd name="connsiteX7" fmla="*/ 4551883 w 10424160"/>
+              <a:gd name="connsiteY7" fmla="*/ 0 h 18288"/>
+              <a:gd name="connsiteX8" fmla="*/ 4934102 w 10424160"/>
+              <a:gd name="connsiteY8" fmla="*/ 0 h 18288"/>
+              <a:gd name="connsiteX9" fmla="*/ 5837530 w 10424160"/>
+              <a:gd name="connsiteY9" fmla="*/ 0 h 18288"/>
+              <a:gd name="connsiteX10" fmla="*/ 6532474 w 10424160"/>
+              <a:gd name="connsiteY10" fmla="*/ 0 h 18288"/>
+              <a:gd name="connsiteX11" fmla="*/ 6914693 w 10424160"/>
+              <a:gd name="connsiteY11" fmla="*/ 0 h 18288"/>
+              <a:gd name="connsiteX12" fmla="*/ 7609637 w 10424160"/>
+              <a:gd name="connsiteY12" fmla="*/ 0 h 18288"/>
+              <a:gd name="connsiteX13" fmla="*/ 8513064 w 10424160"/>
+              <a:gd name="connsiteY13" fmla="*/ 0 h 18288"/>
+              <a:gd name="connsiteX14" fmla="*/ 9103766 w 10424160"/>
+              <a:gd name="connsiteY14" fmla="*/ 0 h 18288"/>
+              <a:gd name="connsiteX15" fmla="*/ 9694469 w 10424160"/>
+              <a:gd name="connsiteY15" fmla="*/ 0 h 18288"/>
+              <a:gd name="connsiteX16" fmla="*/ 10424160 w 10424160"/>
+              <a:gd name="connsiteY16" fmla="*/ 0 h 18288"/>
+              <a:gd name="connsiteX17" fmla="*/ 10424160 w 10424160"/>
+              <a:gd name="connsiteY17" fmla="*/ 18288 h 18288"/>
+              <a:gd name="connsiteX18" fmla="*/ 9729216 w 10424160"/>
+              <a:gd name="connsiteY18" fmla="*/ 18288 h 18288"/>
+              <a:gd name="connsiteX19" fmla="*/ 8930030 w 10424160"/>
+              <a:gd name="connsiteY19" fmla="*/ 18288 h 18288"/>
+              <a:gd name="connsiteX20" fmla="*/ 8130845 w 10424160"/>
+              <a:gd name="connsiteY20" fmla="*/ 18288 h 18288"/>
+              <a:gd name="connsiteX21" fmla="*/ 7644384 w 10424160"/>
+              <a:gd name="connsiteY21" fmla="*/ 18288 h 18288"/>
+              <a:gd name="connsiteX22" fmla="*/ 6740957 w 10424160"/>
+              <a:gd name="connsiteY22" fmla="*/ 18288 h 18288"/>
+              <a:gd name="connsiteX23" fmla="*/ 6046013 w 10424160"/>
+              <a:gd name="connsiteY23" fmla="*/ 18288 h 18288"/>
+              <a:gd name="connsiteX24" fmla="*/ 5663794 w 10424160"/>
+              <a:gd name="connsiteY24" fmla="*/ 18288 h 18288"/>
+              <a:gd name="connsiteX25" fmla="*/ 4968850 w 10424160"/>
+              <a:gd name="connsiteY25" fmla="*/ 18288 h 18288"/>
+              <a:gd name="connsiteX26" fmla="*/ 4378147 w 10424160"/>
+              <a:gd name="connsiteY26" fmla="*/ 18288 h 18288"/>
+              <a:gd name="connsiteX27" fmla="*/ 3787445 w 10424160"/>
+              <a:gd name="connsiteY27" fmla="*/ 18288 h 18288"/>
+              <a:gd name="connsiteX28" fmla="*/ 3196742 w 10424160"/>
+              <a:gd name="connsiteY28" fmla="*/ 18288 h 18288"/>
+              <a:gd name="connsiteX29" fmla="*/ 2606040 w 10424160"/>
+              <a:gd name="connsiteY29" fmla="*/ 18288 h 18288"/>
+              <a:gd name="connsiteX30" fmla="*/ 1806854 w 10424160"/>
+              <a:gd name="connsiteY30" fmla="*/ 18288 h 18288"/>
+              <a:gd name="connsiteX31" fmla="*/ 1111910 w 10424160"/>
+              <a:gd name="connsiteY31" fmla="*/ 18288 h 18288"/>
+              <a:gd name="connsiteX32" fmla="*/ 729691 w 10424160"/>
+              <a:gd name="connsiteY32" fmla="*/ 18288 h 18288"/>
+              <a:gd name="connsiteX33" fmla="*/ 0 w 10424160"/>
+              <a:gd name="connsiteY33" fmla="*/ 18288 h 18288"/>
+              <a:gd name="connsiteX34" fmla="*/ 0 w 10424160"/>
+              <a:gd name="connsiteY34" fmla="*/ 0 h 18288"/>
+            </a:gdLst>
+            <a:ahLst/>
+            <a:cxnLst>
+              <a:cxn ang="0">
+                <a:pos x="connsiteX0" y="connsiteY0"/>
+              </a:cxn>
+              <a:cxn ang="0">
+                <a:pos x="connsiteX1" y="connsiteY1"/>
+              </a:cxn>
+              <a:cxn ang="0">
+                <a:pos x="connsiteX2" y="connsiteY2"/>
+              </a:cxn>
+              <a:cxn ang="0">
+                <a:pos x="connsiteX3" y="connsiteY3"/>
+              </a:cxn>
+              <a:cxn ang="0">
+                <a:pos x="connsiteX4" y="connsiteY4"/>
+              </a:cxn>
+              <a:cxn ang="0">
+                <a:pos x="connsiteX5" y="connsiteY5"/>
+              </a:cxn>
+              <a:cxn ang="0">
+                <a:pos x="connsiteX6" y="connsiteY6"/>
+              </a:cxn>
+              <a:cxn ang="0">
+                <a:pos x="connsiteX7" y="connsiteY7"/>
+              </a:cxn>
+              <a:cxn ang="0">
+                <a:pos x="connsiteX8" y="connsiteY8"/>
+              </a:cxn>
+              <a:cxn ang="0">
+                <a:pos x="connsiteX9" y="connsiteY9"/>
+              </a:cxn>
+              <a:cxn ang="0">
+                <a:pos x="connsiteX10" y="connsiteY10"/>
+              </a:cxn>
+              <a:cxn ang="0">
+                <a:pos x="connsiteX11" y="connsiteY11"/>
+              </a:cxn>
+              <a:cxn ang="0">
+                <a:pos x="connsiteX12" y="connsiteY12"/>
+              </a:cxn>
+              <a:cxn ang="0">
+                <a:pos x="connsiteX13" y="connsiteY13"/>
+              </a:cxn>
+              <a:cxn ang="0">
+                <a:pos x="connsiteX14" y="connsiteY14"/>
+              </a:cxn>
+              <a:cxn ang="0">
+                <a:pos x="connsiteX15" y="connsiteY15"/>
+              </a:cxn>
+              <a:cxn ang="0">
+                <a:pos x="connsiteX16" y="connsiteY16"/>
+              </a:cxn>
+              <a:cxn ang="0">
+                <a:pos x="connsiteX17" y="connsiteY17"/>
+              </a:cxn>
+              <a:cxn ang="0">
+                <a:pos x="connsiteX18" y="connsiteY18"/>
+              </a:cxn>
+              <a:cxn ang="0">
+                <a:pos x="connsiteX19" y="connsiteY19"/>
+              </a:cxn>
+              <a:cxn ang="0">
+                <a:pos x="connsiteX20" y="connsiteY20"/>
+              </a:cxn>
+              <a:cxn ang="0">
+                <a:pos x="connsiteX21" y="connsiteY21"/>
+              </a:cxn>
+              <a:cxn ang="0">
+                <a:pos x="connsiteX22" y="connsiteY22"/>
+              </a:cxn>
+              <a:cxn ang="0">
+                <a:pos x="connsiteX23" y="connsiteY23"/>
+              </a:cxn>
+              <a:cxn ang="0">
+                <a:pos x="connsiteX24" y="connsiteY24"/>
+              </a:cxn>
+              <a:cxn ang="0">
+                <a:pos x="connsiteX25" y="connsiteY25"/>
+              </a:cxn>
+              <a:cxn ang="0">
+                <a:pos x="connsiteX26" y="connsiteY26"/>
+              </a:cxn>
+              <a:cxn ang="0">
+                <a:pos x="connsiteX27" y="connsiteY27"/>
+              </a:cxn>
+              <a:cxn ang="0">
+                <a:pos x="connsiteX28" y="connsiteY28"/>
+              </a:cxn>
+              <a:cxn ang="0">
+                <a:pos x="connsiteX29" y="connsiteY29"/>
+              </a:cxn>
+              <a:cxn ang="0">
+                <a:pos x="connsiteX30" y="connsiteY30"/>
+              </a:cxn>
+              <a:cxn ang="0">
+                <a:pos x="connsiteX31" y="connsiteY31"/>
+              </a:cxn>
+              <a:cxn ang="0">
+                <a:pos x="connsiteX32" y="connsiteY32"/>
+              </a:cxn>
+              <a:cxn ang="0">
+                <a:pos x="connsiteX33" y="connsiteY33"/>
+              </a:cxn>
+              <a:cxn ang="0">
+                <a:pos x="connsiteX34" y="connsiteY34"/>
+              </a:cxn>
+            </a:cxnLst>
+            <a:rect l="l" t="t" r="r" b="b"/>
+            <a:pathLst>
+              <a:path w="10424160" h="18288" fill="none" extrusionOk="0">
+                <a:moveTo>
+                  <a:pt x="0" y="0"/>
+                </a:moveTo>
+                <a:cubicBezTo>
+                  <a:pt x="251416" y="-3874"/>
+                  <a:pt x="479411" y="-20508"/>
+                  <a:pt x="903427" y="0"/>
+                </a:cubicBezTo>
+                <a:cubicBezTo>
+                  <a:pt x="1327443" y="20508"/>
+                  <a:pt x="1177990" y="-7387"/>
+                  <a:pt x="1389888" y="0"/>
+                </a:cubicBezTo>
+                <a:cubicBezTo>
+                  <a:pt x="1601786" y="7387"/>
+                  <a:pt x="1928602" y="-6697"/>
+                  <a:pt x="2189074" y="0"/>
+                </a:cubicBezTo>
+                <a:cubicBezTo>
+                  <a:pt x="2449546" y="6697"/>
+                  <a:pt x="2440085" y="-21144"/>
+                  <a:pt x="2675534" y="0"/>
+                </a:cubicBezTo>
+                <a:cubicBezTo>
+                  <a:pt x="2910983" y="21144"/>
+                  <a:pt x="3026158" y="-11124"/>
+                  <a:pt x="3370478" y="0"/>
+                </a:cubicBezTo>
+                <a:cubicBezTo>
+                  <a:pt x="3714798" y="11124"/>
+                  <a:pt x="3864539" y="-10660"/>
+                  <a:pt x="4169664" y="0"/>
+                </a:cubicBezTo>
+                <a:cubicBezTo>
+                  <a:pt x="4474789" y="10660"/>
+                  <a:pt x="4471218" y="16488"/>
+                  <a:pt x="4551883" y="0"/>
+                </a:cubicBezTo>
+                <a:cubicBezTo>
+                  <a:pt x="4632548" y="-16488"/>
+                  <a:pt x="4786830" y="7986"/>
+                  <a:pt x="4934102" y="0"/>
+                </a:cubicBezTo>
+                <a:cubicBezTo>
+                  <a:pt x="5081374" y="-7986"/>
+                  <a:pt x="5575881" y="-33003"/>
+                  <a:pt x="5837530" y="0"/>
+                </a:cubicBezTo>
+                <a:cubicBezTo>
+                  <a:pt x="6099179" y="33003"/>
+                  <a:pt x="6305895" y="14170"/>
+                  <a:pt x="6532474" y="0"/>
+                </a:cubicBezTo>
+                <a:cubicBezTo>
+                  <a:pt x="6759053" y="-14170"/>
+                  <a:pt x="6726707" y="16121"/>
+                  <a:pt x="6914693" y="0"/>
+                </a:cubicBezTo>
+                <a:cubicBezTo>
+                  <a:pt x="7102679" y="-16121"/>
+                  <a:pt x="7397857" y="32594"/>
+                  <a:pt x="7609637" y="0"/>
+                </a:cubicBezTo>
+                <a:cubicBezTo>
+                  <a:pt x="7821417" y="-32594"/>
+                  <a:pt x="8141235" y="-3745"/>
+                  <a:pt x="8513064" y="0"/>
+                </a:cubicBezTo>
+                <a:cubicBezTo>
+                  <a:pt x="8884893" y="3745"/>
+                  <a:pt x="8877548" y="3359"/>
+                  <a:pt x="9103766" y="0"/>
+                </a:cubicBezTo>
+                <a:cubicBezTo>
+                  <a:pt x="9329984" y="-3359"/>
+                  <a:pt x="9545570" y="-17843"/>
+                  <a:pt x="9694469" y="0"/>
+                </a:cubicBezTo>
+                <a:cubicBezTo>
+                  <a:pt x="9843368" y="17843"/>
+                  <a:pt x="10162477" y="-1217"/>
+                  <a:pt x="10424160" y="0"/>
+                </a:cubicBezTo>
+                <a:cubicBezTo>
+                  <a:pt x="10424498" y="7640"/>
+                  <a:pt x="10423710" y="11289"/>
+                  <a:pt x="10424160" y="18288"/>
+                </a:cubicBezTo>
+                <a:cubicBezTo>
+                  <a:pt x="10184680" y="20716"/>
+                  <a:pt x="10034768" y="-9357"/>
+                  <a:pt x="9729216" y="18288"/>
+                </a:cubicBezTo>
+                <a:cubicBezTo>
+                  <a:pt x="9423664" y="45933"/>
+                  <a:pt x="9309220" y="36372"/>
+                  <a:pt x="8930030" y="18288"/>
+                </a:cubicBezTo>
+                <a:cubicBezTo>
+                  <a:pt x="8550840" y="204"/>
+                  <a:pt x="8513376" y="34707"/>
+                  <a:pt x="8130845" y="18288"/>
+                </a:cubicBezTo>
+                <a:cubicBezTo>
+                  <a:pt x="7748315" y="1869"/>
+                  <a:pt x="7864674" y="19659"/>
+                  <a:pt x="7644384" y="18288"/>
+                </a:cubicBezTo>
+                <a:cubicBezTo>
+                  <a:pt x="7424094" y="16917"/>
+                  <a:pt x="6947001" y="55680"/>
+                  <a:pt x="6740957" y="18288"/>
+                </a:cubicBezTo>
+                <a:cubicBezTo>
+                  <a:pt x="6534913" y="-19104"/>
+                  <a:pt x="6313809" y="33391"/>
+                  <a:pt x="6046013" y="18288"/>
+                </a:cubicBezTo>
+                <a:cubicBezTo>
+                  <a:pt x="5778217" y="3185"/>
+                  <a:pt x="5786775" y="1439"/>
+                  <a:pt x="5663794" y="18288"/>
+                </a:cubicBezTo>
+                <a:cubicBezTo>
+                  <a:pt x="5540813" y="35137"/>
+                  <a:pt x="5204724" y="25434"/>
+                  <a:pt x="4968850" y="18288"/>
+                </a:cubicBezTo>
+                <a:cubicBezTo>
+                  <a:pt x="4732976" y="11142"/>
+                  <a:pt x="4559928" y="34568"/>
+                  <a:pt x="4378147" y="18288"/>
+                </a:cubicBezTo>
+                <a:cubicBezTo>
+                  <a:pt x="4196366" y="2008"/>
+                  <a:pt x="3992200" y="35409"/>
+                  <a:pt x="3787445" y="18288"/>
+                </a:cubicBezTo>
+                <a:cubicBezTo>
+                  <a:pt x="3582690" y="1167"/>
+                  <a:pt x="3488876" y="-7583"/>
+                  <a:pt x="3196742" y="18288"/>
+                </a:cubicBezTo>
+                <a:cubicBezTo>
+                  <a:pt x="2904608" y="44159"/>
+                  <a:pt x="2729828" y="45906"/>
+                  <a:pt x="2606040" y="18288"/>
+                </a:cubicBezTo>
+                <a:cubicBezTo>
+                  <a:pt x="2482252" y="-9330"/>
+                  <a:pt x="2000672" y="-5498"/>
+                  <a:pt x="1806854" y="18288"/>
+                </a:cubicBezTo>
+                <a:cubicBezTo>
+                  <a:pt x="1613036" y="42074"/>
+                  <a:pt x="1310933" y="-4240"/>
+                  <a:pt x="1111910" y="18288"/>
+                </a:cubicBezTo>
+                <a:cubicBezTo>
+                  <a:pt x="912887" y="40816"/>
+                  <a:pt x="891560" y="1701"/>
+                  <a:pt x="729691" y="18288"/>
+                </a:cubicBezTo>
+                <a:cubicBezTo>
+                  <a:pt x="567822" y="34875"/>
+                  <a:pt x="203025" y="34462"/>
+                  <a:pt x="0" y="18288"/>
+                </a:cubicBezTo>
+                <a:cubicBezTo>
+                  <a:pt x="-82" y="11708"/>
+                  <a:pt x="-178" y="8956"/>
+                  <a:pt x="0" y="0"/>
+                </a:cubicBezTo>
+                <a:close/>
+              </a:path>
+              <a:path w="10424160" h="18288" stroke="0" extrusionOk="0">
+                <a:moveTo>
+                  <a:pt x="0" y="0"/>
+                </a:moveTo>
+                <a:cubicBezTo>
+                  <a:pt x="119910" y="17195"/>
+                  <a:pt x="345032" y="1652"/>
+                  <a:pt x="590702" y="0"/>
+                </a:cubicBezTo>
+                <a:cubicBezTo>
+                  <a:pt x="836372" y="-1652"/>
+                  <a:pt x="830717" y="-10944"/>
+                  <a:pt x="972922" y="0"/>
+                </a:cubicBezTo>
+                <a:cubicBezTo>
+                  <a:pt x="1115127" y="10944"/>
+                  <a:pt x="1638708" y="17269"/>
+                  <a:pt x="1876349" y="0"/>
+                </a:cubicBezTo>
+                <a:cubicBezTo>
+                  <a:pt x="2113990" y="-17269"/>
+                  <a:pt x="2263529" y="27642"/>
+                  <a:pt x="2467051" y="0"/>
+                </a:cubicBezTo>
+                <a:cubicBezTo>
+                  <a:pt x="2670573" y="-27642"/>
+                  <a:pt x="2867743" y="-1552"/>
+                  <a:pt x="3057754" y="0"/>
+                </a:cubicBezTo>
+                <a:cubicBezTo>
+                  <a:pt x="3247765" y="1552"/>
+                  <a:pt x="3729099" y="45169"/>
+                  <a:pt x="3961181" y="0"/>
+                </a:cubicBezTo>
+                <a:cubicBezTo>
+                  <a:pt x="4193263" y="-45169"/>
+                  <a:pt x="4313735" y="4067"/>
+                  <a:pt x="4447642" y="0"/>
+                </a:cubicBezTo>
+                <a:cubicBezTo>
+                  <a:pt x="4581549" y="-4067"/>
+                  <a:pt x="5123626" y="11867"/>
+                  <a:pt x="5351069" y="0"/>
+                </a:cubicBezTo>
+                <a:cubicBezTo>
+                  <a:pt x="5578512" y="-11867"/>
+                  <a:pt x="6044105" y="-19983"/>
+                  <a:pt x="6254496" y="0"/>
+                </a:cubicBezTo>
+                <a:cubicBezTo>
+                  <a:pt x="6464887" y="19983"/>
+                  <a:pt x="6664731" y="4232"/>
+                  <a:pt x="6949440" y="0"/>
+                </a:cubicBezTo>
+                <a:cubicBezTo>
+                  <a:pt x="7234149" y="-4232"/>
+                  <a:pt x="7497205" y="28731"/>
+                  <a:pt x="7852867" y="0"/>
+                </a:cubicBezTo>
+                <a:cubicBezTo>
+                  <a:pt x="8208529" y="-28731"/>
+                  <a:pt x="8287556" y="2616"/>
+                  <a:pt x="8443570" y="0"/>
+                </a:cubicBezTo>
+                <a:cubicBezTo>
+                  <a:pt x="8599584" y="-2616"/>
+                  <a:pt x="8871283" y="-14113"/>
+                  <a:pt x="9034272" y="0"/>
+                </a:cubicBezTo>
+                <a:cubicBezTo>
+                  <a:pt x="9197261" y="14113"/>
+                  <a:pt x="9604978" y="-35623"/>
+                  <a:pt x="9833458" y="0"/>
+                </a:cubicBezTo>
+                <a:cubicBezTo>
+                  <a:pt x="10061938" y="35623"/>
+                  <a:pt x="10231944" y="-8194"/>
+                  <a:pt x="10424160" y="0"/>
+                </a:cubicBezTo>
+                <a:cubicBezTo>
+                  <a:pt x="10424285" y="4395"/>
+                  <a:pt x="10424085" y="9776"/>
+                  <a:pt x="10424160" y="18288"/>
+                </a:cubicBezTo>
+                <a:cubicBezTo>
+                  <a:pt x="10058736" y="-5772"/>
+                  <a:pt x="9942989" y="-18764"/>
+                  <a:pt x="9624974" y="18288"/>
+                </a:cubicBezTo>
+                <a:cubicBezTo>
+                  <a:pt x="9306959" y="55340"/>
+                  <a:pt x="9229263" y="24995"/>
+                  <a:pt x="8930030" y="18288"/>
+                </a:cubicBezTo>
+                <a:cubicBezTo>
+                  <a:pt x="8630797" y="11581"/>
+                  <a:pt x="8647263" y="10931"/>
+                  <a:pt x="8547811" y="18288"/>
+                </a:cubicBezTo>
+                <a:cubicBezTo>
+                  <a:pt x="8448359" y="25645"/>
+                  <a:pt x="8173221" y="219"/>
+                  <a:pt x="8061350" y="18288"/>
+                </a:cubicBezTo>
+                <a:cubicBezTo>
+                  <a:pt x="7949479" y="36357"/>
+                  <a:pt x="7437002" y="17516"/>
+                  <a:pt x="7157923" y="18288"/>
+                </a:cubicBezTo>
+                <a:cubicBezTo>
+                  <a:pt x="6878844" y="19060"/>
+                  <a:pt x="6610241" y="8864"/>
+                  <a:pt x="6462979" y="18288"/>
+                </a:cubicBezTo>
+                <a:cubicBezTo>
+                  <a:pt x="6315717" y="27712"/>
+                  <a:pt x="6124879" y="4989"/>
+                  <a:pt x="5976518" y="18288"/>
+                </a:cubicBezTo>
+                <a:cubicBezTo>
+                  <a:pt x="5828157" y="31587"/>
+                  <a:pt x="5566880" y="7112"/>
+                  <a:pt x="5281574" y="18288"/>
+                </a:cubicBezTo>
+                <a:cubicBezTo>
+                  <a:pt x="4996268" y="29464"/>
+                  <a:pt x="5085614" y="20493"/>
+                  <a:pt x="4899355" y="18288"/>
+                </a:cubicBezTo>
+                <a:cubicBezTo>
+                  <a:pt x="4713096" y="16083"/>
+                  <a:pt x="4606138" y="34359"/>
+                  <a:pt x="4517136" y="18288"/>
+                </a:cubicBezTo>
+                <a:cubicBezTo>
+                  <a:pt x="4428134" y="2217"/>
+                  <a:pt x="4125335" y="52414"/>
+                  <a:pt x="3822192" y="18288"/>
+                </a:cubicBezTo>
+                <a:cubicBezTo>
+                  <a:pt x="3519049" y="-15838"/>
+                  <a:pt x="3453132" y="3859"/>
+                  <a:pt x="3335731" y="18288"/>
+                </a:cubicBezTo>
+                <a:cubicBezTo>
+                  <a:pt x="3218330" y="32717"/>
+                  <a:pt x="2718749" y="-13936"/>
+                  <a:pt x="2536546" y="18288"/>
+                </a:cubicBezTo>
+                <a:cubicBezTo>
+                  <a:pt x="2354343" y="50512"/>
+                  <a:pt x="2190669" y="3238"/>
+                  <a:pt x="2050085" y="18288"/>
+                </a:cubicBezTo>
+                <a:cubicBezTo>
+                  <a:pt x="1909501" y="33338"/>
+                  <a:pt x="1520975" y="3062"/>
+                  <a:pt x="1250899" y="18288"/>
+                </a:cubicBezTo>
+                <a:cubicBezTo>
+                  <a:pt x="980823" y="33514"/>
+                  <a:pt x="992936" y="28036"/>
+                  <a:pt x="868680" y="18288"/>
+                </a:cubicBezTo>
+                <a:cubicBezTo>
+                  <a:pt x="744424" y="8540"/>
+                  <a:pt x="230364" y="33365"/>
+                  <a:pt x="0" y="18288"/>
+                </a:cubicBezTo>
+                <a:cubicBezTo>
+                  <a:pt x="-504" y="12101"/>
+                  <a:pt x="-591" y="7719"/>
+                  <a:pt x="0" y="0"/>
+                </a:cubicBezTo>
+                <a:close/>
+              </a:path>
+            </a:pathLst>
+          </a:custGeom>
+          <a:solidFill>
+            <a:schemeClr val="accent2"/>
+          </a:solidFill>
+          <a:ln w="41275" cap="rnd">
+            <a:solidFill>
+              <a:schemeClr val="accent2"/>
+            </a:solidFill>
+            <a:round/>
+            <a:extLst>
+              <a:ext uri="{C807C97D-BFC1-408E-A445-0C87EB9F89A2}">
+                <ask:lineSketchStyleProps xmlns:ask="http://schemas.microsoft.com/office/drawing/2018/sketchyshapes" sd="1219033472">
+                  <a:prstGeom prst="rect">
+                    <a:avLst/>
+                  </a:prstGeom>
+                  <ask:type>
+                    <ask:lineSketchFreehand/>
+                  </ask:type>
+                </ask:lineSketchStyleProps>
+              </a:ext>
+            </a:extLst>
+          </a:ln>
+        </p:spPr>
+        <p:style>
+          <a:lnRef idx="2">
+            <a:schemeClr val="accent1">
+              <a:shade val="50000"/>
+            </a:schemeClr>
+          </a:lnRef>
+          <a:fillRef idx="1">
+            <a:schemeClr val="accent1"/>
+          </a:fillRef>
+          <a:effectRef idx="0">
+            <a:schemeClr val="accent1"/>
+          </a:effectRef>
+          <a:fontRef idx="minor">
+            <a:schemeClr val="lt1"/>
+          </a:fontRef>
+        </p:style>
+        <p:txBody>
+          <a:bodyPr rtlCol="0" anchor="ctr"/>
+          <a:lstStyle/>
+          <a:p>
+            <a:pPr algn="ctr"/>
+            <a:endParaRPr lang="en-US"/>
+          </a:p>
+        </p:txBody>
+      </p:sp>
+      <p:sp>
+        <p:nvSpPr>
+          <p:cNvPr id="3" name="Объект 2"/>
+          <p:cNvSpPr>
+            <a:spLocks/>
+          </p:cNvSpPr>
+          <p:nvPr/>
+        </p:nvSpPr>
+        <p:spPr>
+          <a:xfrm>
+            <a:off x="1612894" y="2228087"/>
+            <a:ext cx="6591583" cy="3948876"/>
+          </a:xfrm>
+          <a:prstGeom prst="rect">
+            <a:avLst/>
+          </a:prstGeom>
+        </p:spPr>
         <p:txBody>
           <a:bodyPr>
             <a:normAutofit/>
           </a:bodyPr>
           <a:lstStyle/>
           <a:p>
-            <a:r>
-              <a:rPr lang="en-US" sz="3200" dirty="0"/>
-              <a:t>What is Amazon Pinpoint?</a:t>
-            </a:r>
-          </a:p>
-        </p:txBody>
-      </p:sp>
-      <p:sp>
-        <p:nvSpPr>
-          <p:cNvPr id="3" name="Объект 2"/>
-          <p:cNvSpPr>
-            <a:spLocks noGrp="1"/>
-          </p:cNvSpPr>
-          <p:nvPr>
-            <p:ph sz="half" idx="1"/>
-          </p:nvPr>
-        </p:nvSpPr>
-        <p:spPr>
-          <a:xfrm>
-            <a:off x="838200" y="1825625"/>
-            <a:ext cx="7263384" cy="4351338"/>
-          </a:xfrm>
-        </p:spPr>
-        <p:txBody>
-          <a:bodyPr>
-            <a:normAutofit/>
-          </a:bodyPr>
-          <a:lstStyle/>
-          <a:p>
-            <a:pPr marL="0" indent="0">
-              <a:buNone/>
+            <a:pPr defTabSz="822960">
+              <a:spcAft>
+                <a:spcPts val="600"/>
+              </a:spcAft>
             </a:pPr>
             <a:r>
-              <a:rPr lang="en-US" sz="1400" b="1" dirty="0"/>
+              <a:rPr lang="en-US" sz="1260" b="1" kern="1200" dirty="0">
+                <a:solidFill>
+                  <a:schemeClr val="tx1"/>
+                </a:solidFill>
+                <a:latin typeface="+mn-lt"/>
+                <a:ea typeface="+mn-ea"/>
+                <a:cs typeface="+mn-cs"/>
+              </a:rPr>
               <a:t>Amazon Pinpoint </a:t>
             </a:r>
             <a:r>
-              <a:rPr lang="en-US" sz="1400" dirty="0"/>
-              <a:t>is an AWS service that you can use to engage with your customers across multiple messaging channels. You can use Amazon Pinpoint to send push notifications, emails, SMS text messages, or voice messages.</a:t>
+              <a:rPr lang="en-US" sz="1260" kern="1200" dirty="0">
+                <a:solidFill>
+                  <a:schemeClr val="tx1"/>
+                </a:solidFill>
+                <a:latin typeface="+mn-lt"/>
+                <a:ea typeface="+mn-ea"/>
+                <a:cs typeface="+mn-cs"/>
+              </a:rPr>
+              <a:t>is an AWS service that you can use to engage with your customers across multiple messaging channels. </a:t>
+            </a:r>
+          </a:p>
+          <a:p>
+            <a:pPr defTabSz="822960">
+              <a:spcAft>
+                <a:spcPts val="600"/>
+              </a:spcAft>
+            </a:pPr>
+            <a:r>
+              <a:rPr lang="en-US" sz="1260" kern="1200" dirty="0">
+                <a:solidFill>
+                  <a:schemeClr val="tx1"/>
+                </a:solidFill>
+                <a:latin typeface="+mn-lt"/>
+                <a:ea typeface="+mn-ea"/>
+                <a:cs typeface="+mn-cs"/>
+              </a:rPr>
+              <a:t>You can use Amazon Pinpoint to send push notifications, emails, SMS text messages, or voice messages.</a:t>
             </a:r>
             <a:endParaRPr lang="en-US" sz="1400" dirty="0"/>
           </a:p>
@@ -3733,8 +4466,8 @@
         </p:blipFill>
         <p:spPr>
           <a:xfrm>
-            <a:off x="9121711" y="1825625"/>
-            <a:ext cx="1596520" cy="1555052"/>
+            <a:off x="9130251" y="2228087"/>
+            <a:ext cx="1448855" cy="1411223"/>
           </a:xfrm>
           <a:prstGeom prst="rect">
             <a:avLst/>
@@ -3757,6 +4490,14 @@
 <file path=ppt/slides/slide2.xml><?xml version="1.0" encoding="utf-8"?>
 <p:sld xmlns:a="http://schemas.openxmlformats.org/drawingml/2006/main" xmlns:r="http://schemas.openxmlformats.org/officeDocument/2006/relationships" xmlns:p="http://schemas.openxmlformats.org/presentationml/2006/main">
   <p:cSld>
+    <p:bg>
+      <p:bgPr>
+        <a:solidFill>
+          <a:schemeClr val="bg1"/>
+        </a:solidFill>
+        <a:effectLst/>
+      </p:bgPr>
+    </p:bg>
     <p:spTree>
       <p:nvGrpSpPr>
         <p:cNvPr id="1" name=""/>
@@ -3771,6 +4512,66 @@
           <a:chExt cx="0" cy="0"/>
         </a:xfrm>
       </p:grpSpPr>
+      <p:sp useBgFill="1">
+        <p:nvSpPr>
+          <p:cNvPr id="8" name="Rectangle 7">
+            <a:extLst>
+              <a:ext uri="{FF2B5EF4-FFF2-40B4-BE49-F238E27FC236}">
+                <a16:creationId xmlns:a16="http://schemas.microsoft.com/office/drawing/2014/main" id="{100EDD19-6802-4EC3-95CE-CFFAB042CFD6}"/>
+              </a:ext>
+              <a:ext uri="{C183D7F6-B498-43B3-948B-1728B52AA6E4}">
+                <adec:decorative xmlns:adec="http://schemas.microsoft.com/office/drawing/2017/decorative" val="1"/>
+              </a:ext>
+            </a:extLst>
+          </p:cNvPr>
+          <p:cNvSpPr>
+            <a:spLocks noGrp="1" noRot="1" noChangeAspect="1" noMove="1" noResize="1" noEditPoints="1" noAdjustHandles="1" noChangeArrowheads="1" noChangeShapeType="1" noTextEdit="1"/>
+          </p:cNvSpPr>
+          <p:nvPr>
+            <p:extLst>
+              <p:ext uri="{386F3935-93C4-4BCD-93E2-E3B085C9AB24}">
+                <p16:designElem xmlns:p16="http://schemas.microsoft.com/office/powerpoint/2015/main" val="1"/>
+              </p:ext>
+            </p:extLst>
+          </p:nvPr>
+        </p:nvSpPr>
+        <p:spPr>
+          <a:xfrm>
+            <a:off x="0" y="0"/>
+            <a:ext cx="12188952" cy="6858000"/>
+          </a:xfrm>
+          <a:prstGeom prst="rect">
+            <a:avLst/>
+          </a:prstGeom>
+          <a:ln>
+            <a:noFill/>
+          </a:ln>
+        </p:spPr>
+        <p:style>
+          <a:lnRef idx="2">
+            <a:schemeClr val="accent1">
+              <a:shade val="50000"/>
+            </a:schemeClr>
+          </a:lnRef>
+          <a:fillRef idx="1">
+            <a:schemeClr val="accent1"/>
+          </a:fillRef>
+          <a:effectRef idx="0">
+            <a:schemeClr val="accent1"/>
+          </a:effectRef>
+          <a:fontRef idx="minor">
+            <a:schemeClr val="lt1"/>
+          </a:fontRef>
+        </p:style>
+        <p:txBody>
+          <a:bodyPr rtlCol="0" anchor="ctr"/>
+          <a:lstStyle/>
+          <a:p>
+            <a:pPr algn="ctr"/>
+            <a:endParaRPr lang="en-US"/>
+          </a:p>
+        </p:txBody>
+      </p:sp>
       <p:sp>
         <p:nvSpPr>
           <p:cNvPr id="2" name="Заголовок 1"/>
@@ -3781,80 +4582,704 @@
             <p:ph type="title"/>
           </p:nvPr>
         </p:nvSpPr>
-        <p:spPr/>
-        <p:txBody>
-          <a:bodyPr>
+        <p:spPr>
+          <a:xfrm>
+            <a:off x="838200" y="365125"/>
+            <a:ext cx="10515600" cy="1325563"/>
+          </a:xfrm>
+        </p:spPr>
+        <p:txBody>
+          <a:bodyPr vert="horz" lIns="91440" tIns="45720" rIns="91440" bIns="45720" rtlCol="0" anchor="ctr">
             <a:normAutofit/>
           </a:bodyPr>
           <a:lstStyle/>
           <a:p>
             <a:r>
-              <a:rPr lang="en-US" sz="3200" dirty="0" smtClean="0"/>
-              <a:t>How to send </a:t>
-            </a:r>
-            <a:r>
-              <a:rPr lang="en-US" sz="3200" dirty="0" err="1" smtClean="0"/>
-              <a:t>geofenced</a:t>
-            </a:r>
-            <a:r>
-              <a:rPr lang="en-US" sz="3200" dirty="0" smtClean="0"/>
-              <a:t> marketing messages using Amazon Pinpoint - example</a:t>
-            </a:r>
-            <a:endParaRPr lang="en-US" sz="3200" dirty="0"/>
-          </a:p>
-        </p:txBody>
-      </p:sp>
-      <p:sp>
-        <p:nvSpPr>
-          <p:cNvPr id="3" name="Объект 2"/>
-          <p:cNvSpPr>
-            <a:spLocks noGrp="1"/>
-          </p:cNvSpPr>
-          <p:nvPr>
-            <p:ph sz="half" idx="1"/>
+              <a:rPr lang="en-US" sz="4200" kern="1200">
+                <a:solidFill>
+                  <a:schemeClr val="tx1"/>
+                </a:solidFill>
+                <a:latin typeface="+mj-lt"/>
+                <a:ea typeface="+mj-ea"/>
+                <a:cs typeface="+mj-cs"/>
+              </a:rPr>
+              <a:t>How to send geofenced marketing messages using Amazon Pinpoint - example</a:t>
+            </a:r>
+          </a:p>
+        </p:txBody>
+      </p:sp>
+      <p:sp>
+        <p:nvSpPr>
+          <p:cNvPr id="10" name="sketch line">
+            <a:extLst>
+              <a:ext uri="{FF2B5EF4-FFF2-40B4-BE49-F238E27FC236}">
+                <a16:creationId xmlns:a16="http://schemas.microsoft.com/office/drawing/2014/main" id="{DB17E863-922E-4C26-BD64-E8FD41D28661}"/>
+              </a:ext>
+              <a:ext uri="{C183D7F6-B498-43B3-948B-1728B52AA6E4}">
+                <adec:decorative xmlns:adec="http://schemas.microsoft.com/office/drawing/2017/decorative" val="1"/>
+              </a:ext>
+            </a:extLst>
+          </p:cNvPr>
+          <p:cNvSpPr>
+            <a:spLocks noGrp="1" noRot="1" noChangeAspect="1" noMove="1" noResize="1" noEditPoints="1" noAdjustHandles="1" noChangeArrowheads="1" noChangeShapeType="1" noTextEdit="1"/>
+          </p:cNvSpPr>
+          <p:nvPr>
+            <p:extLst>
+              <p:ext uri="{386F3935-93C4-4BCD-93E2-E3B085C9AB24}">
+                <p16:designElem xmlns:p16="http://schemas.microsoft.com/office/powerpoint/2015/main" val="1"/>
+              </p:ext>
+            </p:extLst>
           </p:nvPr>
         </p:nvSpPr>
         <p:spPr>
           <a:xfrm>
-            <a:off x="838200" y="1825625"/>
-            <a:ext cx="8378952" cy="4351338"/>
+            <a:off x="669036" y="1677373"/>
+            <a:ext cx="10853928" cy="18288"/>
+          </a:xfrm>
+          <a:custGeom>
+            <a:avLst/>
+            <a:gdLst>
+              <a:gd name="connsiteX0" fmla="*/ 0 w 10853928"/>
+              <a:gd name="connsiteY0" fmla="*/ 0 h 18288"/>
+              <a:gd name="connsiteX1" fmla="*/ 461292 w 10853928"/>
+              <a:gd name="connsiteY1" fmla="*/ 0 h 18288"/>
+              <a:gd name="connsiteX2" fmla="*/ 1139662 w 10853928"/>
+              <a:gd name="connsiteY2" fmla="*/ 0 h 18288"/>
+              <a:gd name="connsiteX3" fmla="*/ 1926572 w 10853928"/>
+              <a:gd name="connsiteY3" fmla="*/ 0 h 18288"/>
+              <a:gd name="connsiteX4" fmla="*/ 2279325 w 10853928"/>
+              <a:gd name="connsiteY4" fmla="*/ 0 h 18288"/>
+              <a:gd name="connsiteX5" fmla="*/ 2632078 w 10853928"/>
+              <a:gd name="connsiteY5" fmla="*/ 0 h 18288"/>
+              <a:gd name="connsiteX6" fmla="*/ 3527527 w 10853928"/>
+              <a:gd name="connsiteY6" fmla="*/ 0 h 18288"/>
+              <a:gd name="connsiteX7" fmla="*/ 4205897 w 10853928"/>
+              <a:gd name="connsiteY7" fmla="*/ 0 h 18288"/>
+              <a:gd name="connsiteX8" fmla="*/ 4558650 w 10853928"/>
+              <a:gd name="connsiteY8" fmla="*/ 0 h 18288"/>
+              <a:gd name="connsiteX9" fmla="*/ 5237020 w 10853928"/>
+              <a:gd name="connsiteY9" fmla="*/ 0 h 18288"/>
+              <a:gd name="connsiteX10" fmla="*/ 6132469 w 10853928"/>
+              <a:gd name="connsiteY10" fmla="*/ 0 h 18288"/>
+              <a:gd name="connsiteX11" fmla="*/ 6702301 w 10853928"/>
+              <a:gd name="connsiteY11" fmla="*/ 0 h 18288"/>
+              <a:gd name="connsiteX12" fmla="*/ 7272132 w 10853928"/>
+              <a:gd name="connsiteY12" fmla="*/ 0 h 18288"/>
+              <a:gd name="connsiteX13" fmla="*/ 7950502 w 10853928"/>
+              <a:gd name="connsiteY13" fmla="*/ 0 h 18288"/>
+              <a:gd name="connsiteX14" fmla="*/ 8737412 w 10853928"/>
+              <a:gd name="connsiteY14" fmla="*/ 0 h 18288"/>
+              <a:gd name="connsiteX15" fmla="*/ 9524322 w 10853928"/>
+              <a:gd name="connsiteY15" fmla="*/ 0 h 18288"/>
+              <a:gd name="connsiteX16" fmla="*/ 10853928 w 10853928"/>
+              <a:gd name="connsiteY16" fmla="*/ 0 h 18288"/>
+              <a:gd name="connsiteX17" fmla="*/ 10853928 w 10853928"/>
+              <a:gd name="connsiteY17" fmla="*/ 18288 h 18288"/>
+              <a:gd name="connsiteX18" fmla="*/ 10392636 w 10853928"/>
+              <a:gd name="connsiteY18" fmla="*/ 18288 h 18288"/>
+              <a:gd name="connsiteX19" fmla="*/ 9497187 w 10853928"/>
+              <a:gd name="connsiteY19" fmla="*/ 18288 h 18288"/>
+              <a:gd name="connsiteX20" fmla="*/ 8818817 w 10853928"/>
+              <a:gd name="connsiteY20" fmla="*/ 18288 h 18288"/>
+              <a:gd name="connsiteX21" fmla="*/ 8466064 w 10853928"/>
+              <a:gd name="connsiteY21" fmla="*/ 18288 h 18288"/>
+              <a:gd name="connsiteX22" fmla="*/ 7787693 w 10853928"/>
+              <a:gd name="connsiteY22" fmla="*/ 18288 h 18288"/>
+              <a:gd name="connsiteX23" fmla="*/ 7217862 w 10853928"/>
+              <a:gd name="connsiteY23" fmla="*/ 18288 h 18288"/>
+              <a:gd name="connsiteX24" fmla="*/ 6648031 w 10853928"/>
+              <a:gd name="connsiteY24" fmla="*/ 18288 h 18288"/>
+              <a:gd name="connsiteX25" fmla="*/ 6078200 w 10853928"/>
+              <a:gd name="connsiteY25" fmla="*/ 18288 h 18288"/>
+              <a:gd name="connsiteX26" fmla="*/ 5508368 w 10853928"/>
+              <a:gd name="connsiteY26" fmla="*/ 18288 h 18288"/>
+              <a:gd name="connsiteX27" fmla="*/ 4721459 w 10853928"/>
+              <a:gd name="connsiteY27" fmla="*/ 18288 h 18288"/>
+              <a:gd name="connsiteX28" fmla="*/ 4043088 w 10853928"/>
+              <a:gd name="connsiteY28" fmla="*/ 18288 h 18288"/>
+              <a:gd name="connsiteX29" fmla="*/ 3690336 w 10853928"/>
+              <a:gd name="connsiteY29" fmla="*/ 18288 h 18288"/>
+              <a:gd name="connsiteX30" fmla="*/ 3120504 w 10853928"/>
+              <a:gd name="connsiteY30" fmla="*/ 18288 h 18288"/>
+              <a:gd name="connsiteX31" fmla="*/ 2333595 w 10853928"/>
+              <a:gd name="connsiteY31" fmla="*/ 18288 h 18288"/>
+              <a:gd name="connsiteX32" fmla="*/ 1872303 w 10853928"/>
+              <a:gd name="connsiteY32" fmla="*/ 18288 h 18288"/>
+              <a:gd name="connsiteX33" fmla="*/ 976854 w 10853928"/>
+              <a:gd name="connsiteY33" fmla="*/ 18288 h 18288"/>
+              <a:gd name="connsiteX34" fmla="*/ 0 w 10853928"/>
+              <a:gd name="connsiteY34" fmla="*/ 18288 h 18288"/>
+              <a:gd name="connsiteX35" fmla="*/ 0 w 10853928"/>
+              <a:gd name="connsiteY35" fmla="*/ 0 h 18288"/>
+            </a:gdLst>
+            <a:ahLst/>
+            <a:cxnLst>
+              <a:cxn ang="0">
+                <a:pos x="connsiteX0" y="connsiteY0"/>
+              </a:cxn>
+              <a:cxn ang="0">
+                <a:pos x="connsiteX1" y="connsiteY1"/>
+              </a:cxn>
+              <a:cxn ang="0">
+                <a:pos x="connsiteX2" y="connsiteY2"/>
+              </a:cxn>
+              <a:cxn ang="0">
+                <a:pos x="connsiteX3" y="connsiteY3"/>
+              </a:cxn>
+              <a:cxn ang="0">
+                <a:pos x="connsiteX4" y="connsiteY4"/>
+              </a:cxn>
+              <a:cxn ang="0">
+                <a:pos x="connsiteX5" y="connsiteY5"/>
+              </a:cxn>
+              <a:cxn ang="0">
+                <a:pos x="connsiteX6" y="connsiteY6"/>
+              </a:cxn>
+              <a:cxn ang="0">
+                <a:pos x="connsiteX7" y="connsiteY7"/>
+              </a:cxn>
+              <a:cxn ang="0">
+                <a:pos x="connsiteX8" y="connsiteY8"/>
+              </a:cxn>
+              <a:cxn ang="0">
+                <a:pos x="connsiteX9" y="connsiteY9"/>
+              </a:cxn>
+              <a:cxn ang="0">
+                <a:pos x="connsiteX10" y="connsiteY10"/>
+              </a:cxn>
+              <a:cxn ang="0">
+                <a:pos x="connsiteX11" y="connsiteY11"/>
+              </a:cxn>
+              <a:cxn ang="0">
+                <a:pos x="connsiteX12" y="connsiteY12"/>
+              </a:cxn>
+              <a:cxn ang="0">
+                <a:pos x="connsiteX13" y="connsiteY13"/>
+              </a:cxn>
+              <a:cxn ang="0">
+                <a:pos x="connsiteX14" y="connsiteY14"/>
+              </a:cxn>
+              <a:cxn ang="0">
+                <a:pos x="connsiteX15" y="connsiteY15"/>
+              </a:cxn>
+              <a:cxn ang="0">
+                <a:pos x="connsiteX16" y="connsiteY16"/>
+              </a:cxn>
+              <a:cxn ang="0">
+                <a:pos x="connsiteX17" y="connsiteY17"/>
+              </a:cxn>
+              <a:cxn ang="0">
+                <a:pos x="connsiteX18" y="connsiteY18"/>
+              </a:cxn>
+              <a:cxn ang="0">
+                <a:pos x="connsiteX19" y="connsiteY19"/>
+              </a:cxn>
+              <a:cxn ang="0">
+                <a:pos x="connsiteX20" y="connsiteY20"/>
+              </a:cxn>
+              <a:cxn ang="0">
+                <a:pos x="connsiteX21" y="connsiteY21"/>
+              </a:cxn>
+              <a:cxn ang="0">
+                <a:pos x="connsiteX22" y="connsiteY22"/>
+              </a:cxn>
+              <a:cxn ang="0">
+                <a:pos x="connsiteX23" y="connsiteY23"/>
+              </a:cxn>
+              <a:cxn ang="0">
+                <a:pos x="connsiteX24" y="connsiteY24"/>
+              </a:cxn>
+              <a:cxn ang="0">
+                <a:pos x="connsiteX25" y="connsiteY25"/>
+              </a:cxn>
+              <a:cxn ang="0">
+                <a:pos x="connsiteX26" y="connsiteY26"/>
+              </a:cxn>
+              <a:cxn ang="0">
+                <a:pos x="connsiteX27" y="connsiteY27"/>
+              </a:cxn>
+              <a:cxn ang="0">
+                <a:pos x="connsiteX28" y="connsiteY28"/>
+              </a:cxn>
+              <a:cxn ang="0">
+                <a:pos x="connsiteX29" y="connsiteY29"/>
+              </a:cxn>
+              <a:cxn ang="0">
+                <a:pos x="connsiteX30" y="connsiteY30"/>
+              </a:cxn>
+              <a:cxn ang="0">
+                <a:pos x="connsiteX31" y="connsiteY31"/>
+              </a:cxn>
+              <a:cxn ang="0">
+                <a:pos x="connsiteX32" y="connsiteY32"/>
+              </a:cxn>
+              <a:cxn ang="0">
+                <a:pos x="connsiteX33" y="connsiteY33"/>
+              </a:cxn>
+              <a:cxn ang="0">
+                <a:pos x="connsiteX34" y="connsiteY34"/>
+              </a:cxn>
+              <a:cxn ang="0">
+                <a:pos x="connsiteX35" y="connsiteY35"/>
+              </a:cxn>
+            </a:cxnLst>
+            <a:rect l="l" t="t" r="r" b="b"/>
+            <a:pathLst>
+              <a:path w="10853928" h="18288" fill="none" extrusionOk="0">
+                <a:moveTo>
+                  <a:pt x="0" y="0"/>
+                </a:moveTo>
+                <a:cubicBezTo>
+                  <a:pt x="146993" y="-19076"/>
+                  <a:pt x="347684" y="-4790"/>
+                  <a:pt x="461292" y="0"/>
+                </a:cubicBezTo>
+                <a:cubicBezTo>
+                  <a:pt x="574900" y="4790"/>
+                  <a:pt x="808367" y="19821"/>
+                  <a:pt x="1139662" y="0"/>
+                </a:cubicBezTo>
+                <a:cubicBezTo>
+                  <a:pt x="1470957" y="-19821"/>
+                  <a:pt x="1627405" y="5721"/>
+                  <a:pt x="1926572" y="0"/>
+                </a:cubicBezTo>
+                <a:cubicBezTo>
+                  <a:pt x="2225739" y="-5721"/>
+                  <a:pt x="2137730" y="-3235"/>
+                  <a:pt x="2279325" y="0"/>
+                </a:cubicBezTo>
+                <a:cubicBezTo>
+                  <a:pt x="2420920" y="3235"/>
+                  <a:pt x="2456518" y="9685"/>
+                  <a:pt x="2632078" y="0"/>
+                </a:cubicBezTo>
+                <a:cubicBezTo>
+                  <a:pt x="2807638" y="-9685"/>
+                  <a:pt x="3211516" y="-43007"/>
+                  <a:pt x="3527527" y="0"/>
+                </a:cubicBezTo>
+                <a:cubicBezTo>
+                  <a:pt x="3843538" y="43007"/>
+                  <a:pt x="4058833" y="22042"/>
+                  <a:pt x="4205897" y="0"/>
+                </a:cubicBezTo>
+                <a:cubicBezTo>
+                  <a:pt x="4352961" y="-22042"/>
+                  <a:pt x="4474805" y="-11846"/>
+                  <a:pt x="4558650" y="0"/>
+                </a:cubicBezTo>
+                <a:cubicBezTo>
+                  <a:pt x="4642495" y="11846"/>
+                  <a:pt x="5041928" y="-6069"/>
+                  <a:pt x="5237020" y="0"/>
+                </a:cubicBezTo>
+                <a:cubicBezTo>
+                  <a:pt x="5432112" y="6069"/>
+                  <a:pt x="5943266" y="-17479"/>
+                  <a:pt x="6132469" y="0"/>
+                </a:cubicBezTo>
+                <a:cubicBezTo>
+                  <a:pt x="6321672" y="17479"/>
+                  <a:pt x="6483872" y="26234"/>
+                  <a:pt x="6702301" y="0"/>
+                </a:cubicBezTo>
+                <a:cubicBezTo>
+                  <a:pt x="6920730" y="-26234"/>
+                  <a:pt x="6991194" y="-15156"/>
+                  <a:pt x="7272132" y="0"/>
+                </a:cubicBezTo>
+                <a:cubicBezTo>
+                  <a:pt x="7553070" y="15156"/>
+                  <a:pt x="7684444" y="-32961"/>
+                  <a:pt x="7950502" y="0"/>
+                </a:cubicBezTo>
+                <a:cubicBezTo>
+                  <a:pt x="8216560" y="32961"/>
+                  <a:pt x="8493290" y="-10491"/>
+                  <a:pt x="8737412" y="0"/>
+                </a:cubicBezTo>
+                <a:cubicBezTo>
+                  <a:pt x="8981534" y="10491"/>
+                  <a:pt x="9191586" y="-13899"/>
+                  <a:pt x="9524322" y="0"/>
+                </a:cubicBezTo>
+                <a:cubicBezTo>
+                  <a:pt x="9857058" y="13899"/>
+                  <a:pt x="10297509" y="7485"/>
+                  <a:pt x="10853928" y="0"/>
+                </a:cubicBezTo>
+                <a:cubicBezTo>
+                  <a:pt x="10854574" y="4451"/>
+                  <a:pt x="10854418" y="9226"/>
+                  <a:pt x="10853928" y="18288"/>
+                </a:cubicBezTo>
+                <a:cubicBezTo>
+                  <a:pt x="10691638" y="28522"/>
+                  <a:pt x="10574319" y="29578"/>
+                  <a:pt x="10392636" y="18288"/>
+                </a:cubicBezTo>
+                <a:cubicBezTo>
+                  <a:pt x="10210953" y="6998"/>
+                  <a:pt x="9836277" y="-16742"/>
+                  <a:pt x="9497187" y="18288"/>
+                </a:cubicBezTo>
+                <a:cubicBezTo>
+                  <a:pt x="9158097" y="53318"/>
+                  <a:pt x="9119479" y="30714"/>
+                  <a:pt x="8818817" y="18288"/>
+                </a:cubicBezTo>
+                <a:cubicBezTo>
+                  <a:pt x="8518155" y="5863"/>
+                  <a:pt x="8640037" y="6483"/>
+                  <a:pt x="8466064" y="18288"/>
+                </a:cubicBezTo>
+                <a:cubicBezTo>
+                  <a:pt x="8292091" y="30093"/>
+                  <a:pt x="7997656" y="18914"/>
+                  <a:pt x="7787693" y="18288"/>
+                </a:cubicBezTo>
+                <a:cubicBezTo>
+                  <a:pt x="7577730" y="17662"/>
+                  <a:pt x="7412468" y="21416"/>
+                  <a:pt x="7217862" y="18288"/>
+                </a:cubicBezTo>
+                <a:cubicBezTo>
+                  <a:pt x="7023256" y="15160"/>
+                  <a:pt x="6898018" y="14824"/>
+                  <a:pt x="6648031" y="18288"/>
+                </a:cubicBezTo>
+                <a:cubicBezTo>
+                  <a:pt x="6398044" y="21752"/>
+                  <a:pt x="6254402" y="38625"/>
+                  <a:pt x="6078200" y="18288"/>
+                </a:cubicBezTo>
+                <a:cubicBezTo>
+                  <a:pt x="5901998" y="-2049"/>
+                  <a:pt x="5622886" y="3213"/>
+                  <a:pt x="5508368" y="18288"/>
+                </a:cubicBezTo>
+                <a:cubicBezTo>
+                  <a:pt x="5393850" y="33363"/>
+                  <a:pt x="5036260" y="26830"/>
+                  <a:pt x="4721459" y="18288"/>
+                </a:cubicBezTo>
+                <a:cubicBezTo>
+                  <a:pt x="4406658" y="9746"/>
+                  <a:pt x="4239221" y="41551"/>
+                  <a:pt x="4043088" y="18288"/>
+                </a:cubicBezTo>
+                <a:cubicBezTo>
+                  <a:pt x="3846955" y="-4975"/>
+                  <a:pt x="3818802" y="34658"/>
+                  <a:pt x="3690336" y="18288"/>
+                </a:cubicBezTo>
+                <a:cubicBezTo>
+                  <a:pt x="3561870" y="1918"/>
+                  <a:pt x="3265491" y="42194"/>
+                  <a:pt x="3120504" y="18288"/>
+                </a:cubicBezTo>
+                <a:cubicBezTo>
+                  <a:pt x="2975517" y="-5618"/>
+                  <a:pt x="2720254" y="36673"/>
+                  <a:pt x="2333595" y="18288"/>
+                </a:cubicBezTo>
+                <a:cubicBezTo>
+                  <a:pt x="1946936" y="-97"/>
+                  <a:pt x="2097241" y="5776"/>
+                  <a:pt x="1872303" y="18288"/>
+                </a:cubicBezTo>
+                <a:cubicBezTo>
+                  <a:pt x="1647365" y="30800"/>
+                  <a:pt x="1282708" y="45380"/>
+                  <a:pt x="976854" y="18288"/>
+                </a:cubicBezTo>
+                <a:cubicBezTo>
+                  <a:pt x="671000" y="-8804"/>
+                  <a:pt x="408401" y="-12775"/>
+                  <a:pt x="0" y="18288"/>
+                </a:cubicBezTo>
+                <a:cubicBezTo>
+                  <a:pt x="-213" y="9468"/>
+                  <a:pt x="187" y="4459"/>
+                  <a:pt x="0" y="0"/>
+                </a:cubicBezTo>
+                <a:close/>
+              </a:path>
+              <a:path w="10853928" h="18288" stroke="0" extrusionOk="0">
+                <a:moveTo>
+                  <a:pt x="0" y="0"/>
+                </a:moveTo>
+                <a:cubicBezTo>
+                  <a:pt x="267322" y="15284"/>
+                  <a:pt x="415388" y="-21048"/>
+                  <a:pt x="569831" y="0"/>
+                </a:cubicBezTo>
+                <a:cubicBezTo>
+                  <a:pt x="724274" y="21048"/>
+                  <a:pt x="769333" y="-2353"/>
+                  <a:pt x="922584" y="0"/>
+                </a:cubicBezTo>
+                <a:cubicBezTo>
+                  <a:pt x="1075835" y="2353"/>
+                  <a:pt x="1399490" y="-145"/>
+                  <a:pt x="1818033" y="0"/>
+                </a:cubicBezTo>
+                <a:cubicBezTo>
+                  <a:pt x="2236576" y="145"/>
+                  <a:pt x="2145330" y="5482"/>
+                  <a:pt x="2387864" y="0"/>
+                </a:cubicBezTo>
+                <a:cubicBezTo>
+                  <a:pt x="2630398" y="-5482"/>
+                  <a:pt x="2793207" y="18487"/>
+                  <a:pt x="2957695" y="0"/>
+                </a:cubicBezTo>
+                <a:cubicBezTo>
+                  <a:pt x="3122183" y="-18487"/>
+                  <a:pt x="3579141" y="19003"/>
+                  <a:pt x="3853144" y="0"/>
+                </a:cubicBezTo>
+                <a:cubicBezTo>
+                  <a:pt x="4127147" y="-19003"/>
+                  <a:pt x="4209857" y="12211"/>
+                  <a:pt x="4314436" y="0"/>
+                </a:cubicBezTo>
+                <a:cubicBezTo>
+                  <a:pt x="4419015" y="-12211"/>
+                  <a:pt x="4762459" y="-17220"/>
+                  <a:pt x="5209885" y="0"/>
+                </a:cubicBezTo>
+                <a:cubicBezTo>
+                  <a:pt x="5657311" y="17220"/>
+                  <a:pt x="5692663" y="-3290"/>
+                  <a:pt x="6105335" y="0"/>
+                </a:cubicBezTo>
+                <a:cubicBezTo>
+                  <a:pt x="6518007" y="3290"/>
+                  <a:pt x="6455516" y="-5124"/>
+                  <a:pt x="6783705" y="0"/>
+                </a:cubicBezTo>
+                <a:cubicBezTo>
+                  <a:pt x="7111894" y="5124"/>
+                  <a:pt x="7441941" y="-17829"/>
+                  <a:pt x="7679154" y="0"/>
+                </a:cubicBezTo>
+                <a:cubicBezTo>
+                  <a:pt x="7916367" y="17829"/>
+                  <a:pt x="8102967" y="-24363"/>
+                  <a:pt x="8248985" y="0"/>
+                </a:cubicBezTo>
+                <a:cubicBezTo>
+                  <a:pt x="8395003" y="24363"/>
+                  <a:pt x="8552393" y="25505"/>
+                  <a:pt x="8818817" y="0"/>
+                </a:cubicBezTo>
+                <a:cubicBezTo>
+                  <a:pt x="9085241" y="-25505"/>
+                  <a:pt x="9411308" y="38000"/>
+                  <a:pt x="9605726" y="0"/>
+                </a:cubicBezTo>
+                <a:cubicBezTo>
+                  <a:pt x="9800144" y="-38000"/>
+                  <a:pt x="10006468" y="-25741"/>
+                  <a:pt x="10175558" y="0"/>
+                </a:cubicBezTo>
+                <a:cubicBezTo>
+                  <a:pt x="10344648" y="25741"/>
+                  <a:pt x="10696282" y="695"/>
+                  <a:pt x="10853928" y="0"/>
+                </a:cubicBezTo>
+                <a:cubicBezTo>
+                  <a:pt x="10853521" y="8690"/>
+                  <a:pt x="10853774" y="14141"/>
+                  <a:pt x="10853928" y="18288"/>
+                </a:cubicBezTo>
+                <a:cubicBezTo>
+                  <a:pt x="10608124" y="24255"/>
+                  <a:pt x="10343415" y="22307"/>
+                  <a:pt x="10067018" y="18288"/>
+                </a:cubicBezTo>
+                <a:cubicBezTo>
+                  <a:pt x="9790621" y="14270"/>
+                  <a:pt x="9843266" y="3564"/>
+                  <a:pt x="9714266" y="18288"/>
+                </a:cubicBezTo>
+                <a:cubicBezTo>
+                  <a:pt x="9585266" y="33012"/>
+                  <a:pt x="9379484" y="1875"/>
+                  <a:pt x="9252974" y="18288"/>
+                </a:cubicBezTo>
+                <a:cubicBezTo>
+                  <a:pt x="9126464" y="34701"/>
+                  <a:pt x="8580678" y="-4904"/>
+                  <a:pt x="8357525" y="18288"/>
+                </a:cubicBezTo>
+                <a:cubicBezTo>
+                  <a:pt x="8134372" y="41480"/>
+                  <a:pt x="7903199" y="26458"/>
+                  <a:pt x="7679154" y="18288"/>
+                </a:cubicBezTo>
+                <a:cubicBezTo>
+                  <a:pt x="7455109" y="10118"/>
+                  <a:pt x="7435944" y="27109"/>
+                  <a:pt x="7217862" y="18288"/>
+                </a:cubicBezTo>
+                <a:cubicBezTo>
+                  <a:pt x="6999780" y="9467"/>
+                  <a:pt x="6680409" y="18985"/>
+                  <a:pt x="6539492" y="18288"/>
+                </a:cubicBezTo>
+                <a:cubicBezTo>
+                  <a:pt x="6398575" y="17592"/>
+                  <a:pt x="6312077" y="33018"/>
+                  <a:pt x="6186739" y="18288"/>
+                </a:cubicBezTo>
+                <a:cubicBezTo>
+                  <a:pt x="6061401" y="3558"/>
+                  <a:pt x="5947033" y="12075"/>
+                  <a:pt x="5833986" y="18288"/>
+                </a:cubicBezTo>
+                <a:cubicBezTo>
+                  <a:pt x="5720939" y="24501"/>
+                  <a:pt x="5482226" y="8586"/>
+                  <a:pt x="5155616" y="18288"/>
+                </a:cubicBezTo>
+                <a:cubicBezTo>
+                  <a:pt x="4829006" y="27991"/>
+                  <a:pt x="4841274" y="29316"/>
+                  <a:pt x="4694324" y="18288"/>
+                </a:cubicBezTo>
+                <a:cubicBezTo>
+                  <a:pt x="4547374" y="7260"/>
+                  <a:pt x="4077675" y="7013"/>
+                  <a:pt x="3907414" y="18288"/>
+                </a:cubicBezTo>
+                <a:cubicBezTo>
+                  <a:pt x="3737153" y="29564"/>
+                  <a:pt x="3538393" y="21630"/>
+                  <a:pt x="3446122" y="18288"/>
+                </a:cubicBezTo>
+                <a:cubicBezTo>
+                  <a:pt x="3353851" y="14946"/>
+                  <a:pt x="2990320" y="-8091"/>
+                  <a:pt x="2659212" y="18288"/>
+                </a:cubicBezTo>
+                <a:cubicBezTo>
+                  <a:pt x="2328104" y="44667"/>
+                  <a:pt x="2427653" y="9607"/>
+                  <a:pt x="2306460" y="18288"/>
+                </a:cubicBezTo>
+                <a:cubicBezTo>
+                  <a:pt x="2185267" y="26969"/>
+                  <a:pt x="1719763" y="3717"/>
+                  <a:pt x="1519550" y="18288"/>
+                </a:cubicBezTo>
+                <a:cubicBezTo>
+                  <a:pt x="1319337" y="32860"/>
+                  <a:pt x="1167371" y="17040"/>
+                  <a:pt x="1058258" y="18288"/>
+                </a:cubicBezTo>
+                <a:cubicBezTo>
+                  <a:pt x="949145" y="19536"/>
+                  <a:pt x="780234" y="31447"/>
+                  <a:pt x="705505" y="18288"/>
+                </a:cubicBezTo>
+                <a:cubicBezTo>
+                  <a:pt x="630776" y="5129"/>
+                  <a:pt x="215796" y="30056"/>
+                  <a:pt x="0" y="18288"/>
+                </a:cubicBezTo>
+                <a:cubicBezTo>
+                  <a:pt x="-53" y="11301"/>
+                  <a:pt x="-649" y="7756"/>
+                  <a:pt x="0" y="0"/>
+                </a:cubicBezTo>
+                <a:close/>
+              </a:path>
+            </a:pathLst>
+          </a:custGeom>
+          <a:solidFill>
+            <a:schemeClr val="accent2"/>
+          </a:solidFill>
+          <a:ln w="41275" cap="rnd">
+            <a:solidFill>
+              <a:schemeClr val="accent2"/>
+            </a:solidFill>
+            <a:round/>
+            <a:extLst>
+              <a:ext uri="{C807C97D-BFC1-408E-A445-0C87EB9F89A2}">
+                <ask:lineSketchStyleProps xmlns:ask="http://schemas.microsoft.com/office/drawing/2018/sketchyshapes" sd="1219033472">
+                  <a:prstGeom prst="rect">
+                    <a:avLst/>
+                  </a:prstGeom>
+                  <ask:type>
+                    <ask:lineSketchFreehand/>
+                  </ask:type>
+                </ask:lineSketchStyleProps>
+              </a:ext>
+            </a:extLst>
+          </a:ln>
+        </p:spPr>
+        <p:style>
+          <a:lnRef idx="2">
+            <a:schemeClr val="accent1">
+              <a:shade val="50000"/>
+            </a:schemeClr>
+          </a:lnRef>
+          <a:fillRef idx="1">
+            <a:schemeClr val="accent1"/>
+          </a:fillRef>
+          <a:effectRef idx="0">
+            <a:schemeClr val="accent1"/>
+          </a:effectRef>
+          <a:fontRef idx="minor">
+            <a:schemeClr val="lt1"/>
+          </a:fontRef>
+        </p:style>
+        <p:txBody>
+          <a:bodyPr rtlCol="0" anchor="ctr"/>
+          <a:lstStyle/>
+          <a:p>
+            <a:pPr algn="ctr"/>
+            <a:endParaRPr lang="en-US"/>
+          </a:p>
+        </p:txBody>
+      </p:sp>
+      <p:sp>
+        <p:nvSpPr>
+          <p:cNvPr id="3" name="Объект 2"/>
+          <p:cNvSpPr>
+            <a:spLocks noGrp="1"/>
+          </p:cNvSpPr>
+          <p:nvPr>
+            <p:ph sz="half" idx="1"/>
+          </p:nvPr>
+        </p:nvSpPr>
+        <p:spPr>
+          <a:xfrm>
+            <a:off x="838200" y="1929384"/>
+            <a:ext cx="10515600" cy="4251960"/>
           </a:xfrm>
         </p:spPr>
         <p:txBody>
-          <a:bodyPr>
+          <a:bodyPr vert="horz" lIns="91440" tIns="45720" rIns="91440" bIns="45720" rtlCol="0">
             <a:normAutofit/>
           </a:bodyPr>
           <a:lstStyle/>
           <a:p>
-            <a:pPr marL="0" indent="0">
-              <a:buNone/>
-            </a:pPr>
-            <a:r>
-              <a:rPr lang="en-US" sz="1400" dirty="0" err="1" smtClean="0"/>
-              <a:t>Geofencing</a:t>
-            </a:r>
-            <a:r>
-              <a:rPr lang="en-US" sz="1400" dirty="0" smtClean="0"/>
-              <a:t>, which creates a virtual geographical boundary that triggers a marketing action to a mobile device when a user enters or exits that boundary, can be used in marketing messages to drive more traffic and increase conversions. </a:t>
-            </a:r>
-          </a:p>
-          <a:p>
-            <a:pPr marL="0" indent="0">
-              <a:buNone/>
-            </a:pPr>
-            <a:r>
-              <a:rPr lang="en-US" sz="1400" dirty="0" smtClean="0"/>
-              <a:t>Amazon Pinpoint, AWS’ multichannel communication tool, can be used to create mobile notifications using </a:t>
-            </a:r>
-            <a:r>
-              <a:rPr lang="en-US" sz="1400" dirty="0" err="1" smtClean="0"/>
-              <a:t>geofencing</a:t>
-            </a:r>
-            <a:r>
-              <a:rPr lang="en-US" sz="1400" dirty="0" smtClean="0"/>
-              <a:t> technology, so customers receive notifications about a business when they’re close by that physical location.</a:t>
-            </a:r>
-            <a:endParaRPr lang="en-US" sz="1400" dirty="0"/>
+            <a:pPr marL="0"/>
+            <a:r>
+              <a:rPr lang="en-US" sz="2200"/>
+              <a:t>Geofencing, which creates a virtual geographical boundary that triggers a marketing action to a mobile device when a user enters or exits that boundary, can be used in marketing messages to drive more traffic and increase conversions. </a:t>
+            </a:r>
+          </a:p>
+          <a:p>
+            <a:pPr marL="0"/>
+            <a:r>
+              <a:rPr lang="en-US" sz="2200"/>
+              <a:t>Amazon Pinpoint, AWS’ multichannel communication tool, can be used to create mobile notifications using geofencing technology, so customers receive notifications about a business when they’re close by that physical location.</a:t>
+            </a:r>
           </a:p>
         </p:txBody>
       </p:sp>
@@ -3907,13 +5332,8 @@
           <a:p>
             <a:r>
               <a:rPr lang="en-US" sz="3200" dirty="0"/>
-              <a:t>Architecture </a:t>
-            </a:r>
-            <a:r>
-              <a:rPr lang="en-US" sz="3200" dirty="0" smtClean="0"/>
-              <a:t>Example Overview</a:t>
-            </a:r>
-            <a:endParaRPr lang="en-US" sz="3200" dirty="0"/>
+              <a:t>Architecture Example Overview</a:t>
+            </a:r>
           </a:p>
         </p:txBody>
       </p:sp>
@@ -3944,12 +5364,8 @@
               <a:buAutoNum type="arabicPeriod"/>
             </a:pPr>
             <a:r>
-              <a:rPr lang="en-US" sz="1400" dirty="0" smtClean="0"/>
-              <a:t>Store </a:t>
-            </a:r>
-            <a:r>
               <a:rPr lang="en-US" sz="1400" dirty="0"/>
-              <a:t>Management defines a </a:t>
+              <a:t>Store Management defines a </a:t>
             </a:r>
             <a:r>
               <a:rPr lang="en-US" sz="1400" dirty="0" err="1"/>
@@ -3972,7 +5388,7 @@
               <a:t>geofences</a:t>
             </a:r>
             <a:r>
-              <a:rPr lang="en-US" sz="1400" dirty="0" smtClean="0"/>
+              <a:rPr lang="en-US" sz="1400" dirty="0"/>
               <a:t>.</a:t>
             </a:r>
           </a:p>
@@ -3982,15 +5398,15 @@
               <a:buAutoNum type="arabicPeriod"/>
             </a:pPr>
             <a:r>
-              <a:rPr lang="en-US" sz="1400" dirty="0" smtClean="0"/>
+              <a:rPr lang="en-US" sz="1400" dirty="0"/>
               <a:t>A customer who has opted into location tracking using the app will update an Amazon Location Service Tracker Resource. This tracker will be evaluated against the store </a:t>
             </a:r>
             <a:r>
-              <a:rPr lang="en-US" sz="1400" dirty="0" err="1" smtClean="0"/>
+              <a:rPr lang="en-US" sz="1400" dirty="0" err="1"/>
               <a:t>geofences</a:t>
             </a:r>
             <a:r>
-              <a:rPr lang="en-US" sz="1400" dirty="0" smtClean="0"/>
+              <a:rPr lang="en-US" sz="1400" dirty="0"/>
               <a:t>.</a:t>
             </a:r>
           </a:p>
@@ -4040,23 +5456,23 @@
               <a:buAutoNum type="arabicPeriod"/>
             </a:pPr>
             <a:r>
-              <a:rPr lang="en-US" sz="1400" dirty="0" smtClean="0"/>
+              <a:rPr lang="en-US" sz="1400" dirty="0"/>
               <a:t>The Lambda function looks up the Store Information in an Amazon </a:t>
             </a:r>
             <a:r>
-              <a:rPr lang="en-US" sz="1400" dirty="0" err="1" smtClean="0"/>
+              <a:rPr lang="en-US" sz="1400" dirty="0" err="1"/>
               <a:t>DynamoDB</a:t>
             </a:r>
             <a:r>
-              <a:rPr lang="en-US" sz="1400" dirty="0" smtClean="0"/>
+              <a:rPr lang="en-US" sz="1400" dirty="0"/>
               <a:t> table that matches the </a:t>
             </a:r>
             <a:r>
-              <a:rPr lang="en-US" sz="1400" dirty="0" err="1" smtClean="0"/>
+              <a:rPr lang="en-US" sz="1400" dirty="0" err="1"/>
               <a:t>geofence</a:t>
             </a:r>
             <a:r>
-              <a:rPr lang="en-US" sz="1400" dirty="0" smtClean="0"/>
+              <a:rPr lang="en-US" sz="1400" dirty="0"/>
               <a:t> ID in order to enrich the email.</a:t>
             </a:r>
           </a:p>
@@ -4176,10 +5592,9 @@
           <a:lstStyle/>
           <a:p>
             <a:r>
-              <a:rPr lang="en-US" sz="3200" dirty="0" smtClean="0"/>
+              <a:rPr lang="en-US" sz="3200" dirty="0"/>
               <a:t>Amazon Pinpoint features</a:t>
             </a:r>
-            <a:endParaRPr lang="en-US" sz="3200" dirty="0"/>
           </a:p>
         </p:txBody>
       </p:sp>
@@ -4215,11 +5630,7 @@
             </a:r>
             <a:r>
               <a:rPr lang="en-US" sz="1400" dirty="0"/>
-              <a:t>includes a One-Time Password (OTP) management feature. You can use this feature to generate new one-time passwords and send them to your recipients as SMS messages. Your applications can then call the Amazon Pinpoint API to verify these passwords</a:t>
-            </a:r>
-            <a:r>
-              <a:rPr lang="en-US" sz="1400" dirty="0" smtClean="0"/>
-              <a:t>.</a:t>
+              <a:t>includes a One-Time Password (OTP) management feature. You can use this feature to generate new one-time passwords and send them to your recipients as SMS messages. Your applications can then call the Amazon Pinpoint API to verify these passwords.</a:t>
             </a:r>
           </a:p>
           <a:p>
@@ -4233,11 +5644,7 @@
             </a:r>
             <a:r>
               <a:rPr lang="en-US" sz="1400" dirty="0"/>
-              <a:t>includes a phone number validation service that you can use to determine if a phone number is valid, and to obtain additional information about the phone number itself</a:t>
-            </a:r>
-            <a:r>
-              <a:rPr lang="en-US" sz="1400" dirty="0" smtClean="0"/>
-              <a:t>.</a:t>
+              <a:t>includes a phone number validation service that you can use to determine if a phone number is valid, and to obtain additional information about the phone number itself.</a:t>
             </a:r>
           </a:p>
           <a:p>
@@ -4246,15 +5653,15 @@
               <a:buAutoNum type="arabicPeriod"/>
             </a:pPr>
             <a:r>
-              <a:rPr lang="en-US" sz="1400" dirty="0" smtClean="0"/>
+              <a:rPr lang="en-US" sz="1400" dirty="0"/>
               <a:t>You can use the </a:t>
             </a:r>
             <a:r>
-              <a:rPr lang="en-US" sz="1400" b="1" dirty="0" smtClean="0"/>
+              <a:rPr lang="en-US" sz="1400" b="1" dirty="0"/>
               <a:t>Amazon Pinpoint API and the AWS SDKs </a:t>
             </a:r>
             <a:r>
-              <a:rPr lang="en-US" sz="1400" dirty="0" smtClean="0"/>
+              <a:rPr lang="en-US" sz="1400" dirty="0"/>
               <a:t>to send transactional messages directly from your apps. Transactional messages are messages that you send to specific recipients, as opposed to messages that you send to segments. </a:t>
             </a:r>
             <a:r>
@@ -4263,11 +5670,7 @@
             </a:r>
             <a:r>
               <a:rPr lang="en-US" sz="1400" dirty="0"/>
-              <a:t>, you can send an order confirmation by email when a customer places an order. You could also send a one-time password by SMS or voice that a customer can use to complete the process of creating an account for your service</a:t>
-            </a:r>
-            <a:r>
-              <a:rPr lang="en-US" sz="1400" dirty="0" smtClean="0"/>
-              <a:t>.</a:t>
+              <a:t>, you can send an order confirmation by email when a customer places an order. You could also send a one-time password by SMS or voice that a customer can use to complete the process of creating an account for your service.</a:t>
             </a:r>
           </a:p>
           <a:p>
@@ -4276,34 +5679,33 @@
               <a:buAutoNum type="arabicPeriod"/>
             </a:pPr>
             <a:r>
-              <a:rPr lang="en-US" sz="1400" b="1" dirty="0" smtClean="0"/>
+              <a:rPr lang="en-US" sz="1400" b="1" dirty="0"/>
               <a:t>Amazon Pinpoint </a:t>
             </a:r>
             <a:r>
-              <a:rPr lang="en-US" sz="1400" dirty="0" smtClean="0"/>
+              <a:rPr lang="en-US" sz="1400" dirty="0"/>
               <a:t>is integrated with </a:t>
             </a:r>
             <a:r>
-              <a:rPr lang="en-US" sz="1400" b="1" dirty="0" smtClean="0"/>
+              <a:rPr lang="en-US" sz="1400" b="1" dirty="0"/>
               <a:t>AWS </a:t>
             </a:r>
             <a:r>
-              <a:rPr lang="en-US" sz="1400" b="1" dirty="0" err="1" smtClean="0"/>
+              <a:rPr lang="en-US" sz="1400" b="1" dirty="0" err="1"/>
               <a:t>CloudTrail</a:t>
             </a:r>
             <a:r>
-              <a:rPr lang="en-US" sz="1400" dirty="0" smtClean="0"/>
+              <a:rPr lang="en-US" sz="1400" dirty="0"/>
               <a:t>, which is a service that provides a record of actions taken by a user, role, or AWS service in Amazon Pinpoint. </a:t>
             </a:r>
             <a:r>
-              <a:rPr lang="en-US" sz="1400" dirty="0" err="1" smtClean="0"/>
+              <a:rPr lang="en-US" sz="1400" dirty="0" err="1"/>
               <a:t>CloudTrail</a:t>
             </a:r>
             <a:r>
-              <a:rPr lang="en-US" sz="1400" dirty="0" smtClean="0"/>
+              <a:rPr lang="en-US" sz="1400" dirty="0"/>
               <a:t> captures API calls for Amazon Pinpoint as events. The calls that are captured include calls from the Amazon Pinpoint console and code calls to Amazon Pinpoint API operations.</a:t>
             </a:r>
-            <a:endParaRPr lang="en-US" sz="1400" dirty="0"/>
           </a:p>
         </p:txBody>
       </p:sp>
